--- a/docs/Teaching/PPTX/FCC Chem 3A Chap 12 Content.pptx
+++ b/docs/Teaching/PPTX/FCC Chem 3A Chap 12 Content.pptx
@@ -5,7 +5,7 @@
     <p:sldMasterId id="2147483803" r:id="rId1"/>
   </p:sldMasterIdLst>
   <p:notesMasterIdLst>
-    <p:notesMasterId r:id="rId45"/>
+    <p:notesMasterId r:id="rId46"/>
   </p:notesMasterIdLst>
   <p:sldIdLst>
     <p:sldId id="608" r:id="rId2"/>
@@ -17,40 +17,41 @@
     <p:sldId id="837" r:id="rId8"/>
     <p:sldId id="838" r:id="rId9"/>
     <p:sldId id="840" r:id="rId10"/>
-    <p:sldId id="841" r:id="rId11"/>
-    <p:sldId id="834" r:id="rId12"/>
-    <p:sldId id="842" r:id="rId13"/>
-    <p:sldId id="843" r:id="rId14"/>
-    <p:sldId id="844" r:id="rId15"/>
-    <p:sldId id="845" r:id="rId16"/>
-    <p:sldId id="846" r:id="rId17"/>
-    <p:sldId id="847" r:id="rId18"/>
-    <p:sldId id="848" r:id="rId19"/>
-    <p:sldId id="849" r:id="rId20"/>
-    <p:sldId id="850" r:id="rId21"/>
-    <p:sldId id="851" r:id="rId22"/>
-    <p:sldId id="852" r:id="rId23"/>
-    <p:sldId id="853" r:id="rId24"/>
-    <p:sldId id="865" r:id="rId25"/>
-    <p:sldId id="866" r:id="rId26"/>
-    <p:sldId id="854" r:id="rId27"/>
-    <p:sldId id="868" r:id="rId28"/>
-    <p:sldId id="867" r:id="rId29"/>
-    <p:sldId id="855" r:id="rId30"/>
-    <p:sldId id="856" r:id="rId31"/>
-    <p:sldId id="857" r:id="rId32"/>
-    <p:sldId id="869" r:id="rId33"/>
-    <p:sldId id="870" r:id="rId34"/>
-    <p:sldId id="871" r:id="rId35"/>
-    <p:sldId id="858" r:id="rId36"/>
-    <p:sldId id="872" r:id="rId37"/>
-    <p:sldId id="873" r:id="rId38"/>
-    <p:sldId id="874" r:id="rId39"/>
-    <p:sldId id="859" r:id="rId40"/>
-    <p:sldId id="860" r:id="rId41"/>
-    <p:sldId id="861" r:id="rId42"/>
-    <p:sldId id="862" r:id="rId43"/>
-    <p:sldId id="863" r:id="rId44"/>
+    <p:sldId id="876" r:id="rId11"/>
+    <p:sldId id="841" r:id="rId12"/>
+    <p:sldId id="834" r:id="rId13"/>
+    <p:sldId id="842" r:id="rId14"/>
+    <p:sldId id="843" r:id="rId15"/>
+    <p:sldId id="844" r:id="rId16"/>
+    <p:sldId id="845" r:id="rId17"/>
+    <p:sldId id="846" r:id="rId18"/>
+    <p:sldId id="847" r:id="rId19"/>
+    <p:sldId id="848" r:id="rId20"/>
+    <p:sldId id="849" r:id="rId21"/>
+    <p:sldId id="850" r:id="rId22"/>
+    <p:sldId id="851" r:id="rId23"/>
+    <p:sldId id="852" r:id="rId24"/>
+    <p:sldId id="853" r:id="rId25"/>
+    <p:sldId id="865" r:id="rId26"/>
+    <p:sldId id="866" r:id="rId27"/>
+    <p:sldId id="854" r:id="rId28"/>
+    <p:sldId id="868" r:id="rId29"/>
+    <p:sldId id="867" r:id="rId30"/>
+    <p:sldId id="855" r:id="rId31"/>
+    <p:sldId id="856" r:id="rId32"/>
+    <p:sldId id="857" r:id="rId33"/>
+    <p:sldId id="869" r:id="rId34"/>
+    <p:sldId id="870" r:id="rId35"/>
+    <p:sldId id="871" r:id="rId36"/>
+    <p:sldId id="858" r:id="rId37"/>
+    <p:sldId id="872" r:id="rId38"/>
+    <p:sldId id="873" r:id="rId39"/>
+    <p:sldId id="874" r:id="rId40"/>
+    <p:sldId id="859" r:id="rId41"/>
+    <p:sldId id="860" r:id="rId42"/>
+    <p:sldId id="861" r:id="rId43"/>
+    <p:sldId id="862" r:id="rId44"/>
+    <p:sldId id="863" r:id="rId45"/>
   </p:sldIdLst>
   <p:sldSz cx="9144000" cy="6858000" type="screen4x3"/>
   <p:notesSz cx="7315200" cy="9601200"/>
@@ -10032,6 +10033,289 @@
         <p:cNvPr id="1" name="">
           <a:extLst>
             <a:ext uri="{FF2B5EF4-FFF2-40B4-BE49-F238E27FC236}">
+              <a16:creationId xmlns:a16="http://schemas.microsoft.com/office/drawing/2014/main" id="{1E08C687-1267-7B12-0D75-97261B997DF3}"/>
+            </a:ext>
+          </a:extLst>
+        </p:cNvPr>
+        <p:cNvGrpSpPr/>
+        <p:nvPr/>
+      </p:nvGrpSpPr>
+      <p:grpSpPr>
+        <a:xfrm>
+          <a:off x="0" y="0"/>
+          <a:ext cx="0" cy="0"/>
+          <a:chOff x="0" y="0"/>
+          <a:chExt cx="0" cy="0"/>
+        </a:xfrm>
+      </p:grpSpPr>
+      <p:sp>
+        <p:nvSpPr>
+          <p:cNvPr id="4" name="Title 3">
+            <a:extLst>
+              <a:ext uri="{FF2B5EF4-FFF2-40B4-BE49-F238E27FC236}">
+                <a16:creationId xmlns:a16="http://schemas.microsoft.com/office/drawing/2014/main" id="{DC7F0614-392D-2E9D-73F0-A9FBF4A5DEB3}"/>
+              </a:ext>
+            </a:extLst>
+          </p:cNvPr>
+          <p:cNvSpPr>
+            <a:spLocks noGrp="1"/>
+          </p:cNvSpPr>
+          <p:nvPr>
+            <p:ph type="title"/>
+          </p:nvPr>
+        </p:nvSpPr>
+        <p:spPr>
+          <a:xfrm>
+            <a:off x="364067" y="306073"/>
+            <a:ext cx="8421512" cy="707886"/>
+          </a:xfrm>
+        </p:spPr>
+        <p:txBody>
+          <a:bodyPr/>
+          <a:lstStyle/>
+          <a:p>
+            <a:r>
+              <a:rPr lang="en-US" sz="4000" dirty="0"/>
+              <a:t>Specific Acids</a:t>
+            </a:r>
+          </a:p>
+        </p:txBody>
+      </p:sp>
+      <p:sp>
+        <p:nvSpPr>
+          <p:cNvPr id="5" name="Content Placeholder 4">
+            <a:extLst>
+              <a:ext uri="{FF2B5EF4-FFF2-40B4-BE49-F238E27FC236}">
+                <a16:creationId xmlns:a16="http://schemas.microsoft.com/office/drawing/2014/main" id="{18FC4F52-C327-8E7B-8538-2CA3D724DC38}"/>
+              </a:ext>
+            </a:extLst>
+          </p:cNvPr>
+          <p:cNvSpPr>
+            <a:spLocks noGrp="1"/>
+          </p:cNvSpPr>
+          <p:nvPr>
+            <p:ph idx="1"/>
+          </p:nvPr>
+        </p:nvSpPr>
+        <p:spPr/>
+        <p:txBody>
+          <a:bodyPr/>
+          <a:lstStyle/>
+          <a:p>
+            <a:pPr marL="0" indent="0">
+              <a:buNone/>
+            </a:pPr>
+            <a:r>
+              <a:rPr lang="en-US" b="1" dirty="0">
+                <a:solidFill>
+                  <a:srgbClr val="00FF00"/>
+                </a:solidFill>
+              </a:rPr>
+              <a:t>Formic acid (HCOOH)</a:t>
+            </a:r>
+          </a:p>
+          <a:p>
+            <a:r>
+              <a:rPr lang="en-US" dirty="0"/>
+              <a:t>simplest of organic (carboxylic) acids</a:t>
+            </a:r>
+          </a:p>
+          <a:p>
+            <a:r>
+              <a:rPr lang="en-US" dirty="0"/>
+              <a:t>an acid strongly associated with ants</a:t>
+            </a:r>
+          </a:p>
+          <a:p>
+            <a:pPr marL="0" indent="0">
+              <a:buNone/>
+            </a:pPr>
+            <a:r>
+              <a:rPr lang="en-US" b="1" dirty="0">
+                <a:solidFill>
+                  <a:srgbClr val="00FF00"/>
+                </a:solidFill>
+              </a:rPr>
+              <a:t>Citric acid (C</a:t>
+            </a:r>
+            <a:r>
+              <a:rPr lang="en-US" b="1" baseline="-25000" dirty="0">
+                <a:solidFill>
+                  <a:srgbClr val="00FF00"/>
+                </a:solidFill>
+              </a:rPr>
+              <a:t>6</a:t>
+            </a:r>
+            <a:r>
+              <a:rPr lang="en-US" b="1" dirty="0">
+                <a:solidFill>
+                  <a:srgbClr val="00FF00"/>
+                </a:solidFill>
+              </a:rPr>
+              <a:t>H</a:t>
+            </a:r>
+            <a:r>
+              <a:rPr lang="en-US" b="1" baseline="-25000" dirty="0">
+                <a:solidFill>
+                  <a:srgbClr val="00FF00"/>
+                </a:solidFill>
+              </a:rPr>
+              <a:t>8</a:t>
+            </a:r>
+            <a:r>
+              <a:rPr lang="en-US" b="1" dirty="0">
+                <a:solidFill>
+                  <a:srgbClr val="00FF00"/>
+                </a:solidFill>
+              </a:rPr>
+              <a:t>O</a:t>
+            </a:r>
+            <a:r>
+              <a:rPr lang="en-US" b="1" baseline="-25000" dirty="0">
+                <a:solidFill>
+                  <a:srgbClr val="00FF00"/>
+                </a:solidFill>
+              </a:rPr>
+              <a:t>7</a:t>
+            </a:r>
+            <a:r>
+              <a:rPr lang="en-US" b="1" dirty="0">
+                <a:solidFill>
+                  <a:srgbClr val="00FF00"/>
+                </a:solidFill>
+              </a:rPr>
+              <a:t>)</a:t>
+            </a:r>
+          </a:p>
+          <a:p>
+            <a:r>
+              <a:rPr lang="en-US" dirty="0"/>
+              <a:t>weak tricarboxylic acid in citrus fruits</a:t>
+            </a:r>
+          </a:p>
+          <a:p>
+            <a:r>
+              <a:rPr lang="en-US" dirty="0"/>
+              <a:t>At the start of the </a:t>
+            </a:r>
+            <a:r>
+              <a:rPr lang="en-US" dirty="0">
+                <a:solidFill>
+                  <a:schemeClr val="accent1">
+                    <a:lumMod val="60000"/>
+                    <a:lumOff val="40000"/>
+                  </a:schemeClr>
+                </a:solidFill>
+              </a:rPr>
+              <a:t>tricarboxylic acid cycle</a:t>
+            </a:r>
+            <a:r>
+              <a:rPr lang="en-US" dirty="0"/>
+              <a:t> (also called </a:t>
+            </a:r>
+            <a:r>
+              <a:rPr lang="en-US" dirty="0">
+                <a:solidFill>
+                  <a:schemeClr val="accent1">
+                    <a:lumMod val="60000"/>
+                    <a:lumOff val="40000"/>
+                  </a:schemeClr>
+                </a:solidFill>
+              </a:rPr>
+              <a:t>Krebs cycle</a:t>
+            </a:r>
+            <a:r>
+              <a:rPr lang="en-US" dirty="0"/>
+              <a:t>, and </a:t>
+            </a:r>
+            <a:r>
+              <a:rPr lang="en-US" dirty="0">
+                <a:solidFill>
+                  <a:schemeClr val="accent1">
+                    <a:lumMod val="60000"/>
+                    <a:lumOff val="40000"/>
+                  </a:schemeClr>
+                </a:solidFill>
+              </a:rPr>
+              <a:t>citric acid cycle</a:t>
+            </a:r>
+            <a:r>
+              <a:rPr lang="en-US" dirty="0"/>
+              <a:t>)</a:t>
+            </a:r>
+          </a:p>
+          <a:p>
+            <a:pPr marL="0" indent="0">
+              <a:buNone/>
+            </a:pPr>
+            <a:r>
+              <a:rPr lang="en-US" b="1" dirty="0">
+                <a:solidFill>
+                  <a:srgbClr val="00FF00"/>
+                </a:solidFill>
+              </a:rPr>
+              <a:t>Acetylsalicylic acid (aspirin)</a:t>
+            </a:r>
+          </a:p>
+          <a:p>
+            <a:r>
+              <a:rPr lang="en-US" dirty="0"/>
+              <a:t>effective anti-inflammatory agent (fever, pain)</a:t>
+            </a:r>
+          </a:p>
+        </p:txBody>
+      </p:sp>
+      <p:sp>
+        <p:nvSpPr>
+          <p:cNvPr id="2" name="Slide Number Placeholder 1">
+            <a:extLst>
+              <a:ext uri="{FF2B5EF4-FFF2-40B4-BE49-F238E27FC236}">
+                <a16:creationId xmlns:a16="http://schemas.microsoft.com/office/drawing/2014/main" id="{3EB87D86-C2B6-31DE-007A-60650E297320}"/>
+              </a:ext>
+            </a:extLst>
+          </p:cNvPr>
+          <p:cNvSpPr>
+            <a:spLocks noGrp="1"/>
+          </p:cNvSpPr>
+          <p:nvPr>
+            <p:ph type="sldNum" sz="quarter" idx="10"/>
+          </p:nvPr>
+        </p:nvSpPr>
+        <p:spPr/>
+        <p:txBody>
+          <a:bodyPr/>
+          <a:lstStyle/>
+          <a:p>
+            <a:fld id="{803D5D98-E6AF-418F-A1B9-21EEB670A939}" type="slidenum">
+              <a:rPr lang="en-US" smtClean="0"/>
+              <a:pPr/>
+              <a:t>10</a:t>
+            </a:fld>
+            <a:endParaRPr lang="en-US" b="1" dirty="0"/>
+          </a:p>
+        </p:txBody>
+      </p:sp>
+    </p:spTree>
+    <p:extLst>
+      <p:ext uri="{BB962C8B-B14F-4D97-AF65-F5344CB8AC3E}">
+        <p14:creationId xmlns:p14="http://schemas.microsoft.com/office/powerpoint/2010/main" val="1868330089"/>
+      </p:ext>
+    </p:extLst>
+  </p:cSld>
+  <p:clrMapOvr>
+    <a:masterClrMapping/>
+  </p:clrMapOvr>
+</p:sld>
+</file>
+
+<file path=ppt/slides/slide11.xml><?xml version="1.0" encoding="utf-8"?>
+<p:sld xmlns:a="http://schemas.openxmlformats.org/drawingml/2006/main" xmlns:r="http://schemas.openxmlformats.org/officeDocument/2006/relationships" xmlns:p="http://schemas.openxmlformats.org/presentationml/2006/main">
+  <p:cSld>
+    <p:spTree>
+      <p:nvGrpSpPr>
+        <p:cNvPr id="1" name="">
+          <a:extLst>
+            <a:ext uri="{FF2B5EF4-FFF2-40B4-BE49-F238E27FC236}">
               <a16:creationId xmlns:a16="http://schemas.microsoft.com/office/drawing/2014/main" id="{FB5F73F2-6F21-7A44-CD7D-56995035B017}"/>
             </a:ext>
           </a:extLst>
@@ -10298,7 +10582,7 @@
             <a:fld id="{803D5D98-E6AF-418F-A1B9-21EEB670A939}" type="slidenum">
               <a:rPr lang="en-US" smtClean="0"/>
               <a:pPr/>
-              <a:t>10</a:t>
+              <a:t>11</a:t>
             </a:fld>
             <a:endParaRPr lang="en-US" b="1" dirty="0"/>
           </a:p>
@@ -10377,7 +10661,7 @@
 </p:sld>
 </file>
 
-<file path=ppt/slides/slide11.xml><?xml version="1.0" encoding="utf-8"?>
+<file path=ppt/slides/slide12.xml><?xml version="1.0" encoding="utf-8"?>
 <p:sld xmlns:a="http://schemas.openxmlformats.org/drawingml/2006/main" xmlns:r="http://schemas.openxmlformats.org/officeDocument/2006/relationships" xmlns:p="http://schemas.openxmlformats.org/presentationml/2006/main">
   <p:cSld>
     <p:spTree>
@@ -10402,61 +10686,6 @@
       </p:grpSpPr>
       <p:sp>
         <p:nvSpPr>
-          <p:cNvPr id="4" name="Title 3">
-            <a:extLst>
-              <a:ext uri="{FF2B5EF4-FFF2-40B4-BE49-F238E27FC236}">
-                <a16:creationId xmlns:a16="http://schemas.microsoft.com/office/drawing/2014/main" id="{EC05E02B-8B3E-D5A2-D0A1-C717CDC26786}"/>
-              </a:ext>
-            </a:extLst>
-          </p:cNvPr>
-          <p:cNvSpPr>
-            <a:spLocks noGrp="1"/>
-          </p:cNvSpPr>
-          <p:nvPr>
-            <p:ph type="title"/>
-          </p:nvPr>
-        </p:nvSpPr>
-        <p:spPr>
-          <a:xfrm>
-            <a:off x="364067" y="306073"/>
-            <a:ext cx="8421512" cy="707886"/>
-          </a:xfrm>
-        </p:spPr>
-        <p:txBody>
-          <a:bodyPr/>
-          <a:lstStyle/>
-          <a:p>
-            <a:endParaRPr lang="en-US" sz="4000" dirty="0"/>
-          </a:p>
-        </p:txBody>
-      </p:sp>
-      <p:sp>
-        <p:nvSpPr>
-          <p:cNvPr id="5" name="Content Placeholder 4">
-            <a:extLst>
-              <a:ext uri="{FF2B5EF4-FFF2-40B4-BE49-F238E27FC236}">
-                <a16:creationId xmlns:a16="http://schemas.microsoft.com/office/drawing/2014/main" id="{DEF6C2FE-40E4-D4C8-24B3-560753CC69A3}"/>
-              </a:ext>
-            </a:extLst>
-          </p:cNvPr>
-          <p:cNvSpPr>
-            <a:spLocks noGrp="1"/>
-          </p:cNvSpPr>
-          <p:nvPr>
-            <p:ph idx="1"/>
-          </p:nvPr>
-        </p:nvSpPr>
-        <p:spPr/>
-        <p:txBody>
-          <a:bodyPr/>
-          <a:lstStyle/>
-          <a:p>
-            <a:endParaRPr lang="en-US"/>
-          </a:p>
-        </p:txBody>
-      </p:sp>
-      <p:sp>
-        <p:nvSpPr>
           <p:cNvPr id="2" name="Slide Number Placeholder 1">
             <a:extLst>
               <a:ext uri="{FF2B5EF4-FFF2-40B4-BE49-F238E27FC236}">
@@ -10468,10 +10697,15 @@
             <a:spLocks noGrp="1"/>
           </p:cNvSpPr>
           <p:nvPr>
-            <p:ph type="sldNum" sz="quarter" idx="10"/>
+            <p:ph type="sldNum" sz="quarter" idx="4294967295"/>
           </p:nvPr>
         </p:nvSpPr>
-        <p:spPr/>
+        <p:spPr>
+          <a:xfrm>
+            <a:off x="7086600" y="6364288"/>
+            <a:ext cx="2057400" cy="365125"/>
+          </a:xfrm>
+        </p:spPr>
         <p:txBody>
           <a:bodyPr/>
           <a:lstStyle/>
@@ -10479,7 +10713,7 @@
             <a:fld id="{803D5D98-E6AF-418F-A1B9-21EEB670A939}" type="slidenum">
               <a:rPr lang="en-US" smtClean="0"/>
               <a:pPr/>
-              <a:t>11</a:t>
+              <a:t>12</a:t>
             </a:fld>
             <a:endParaRPr lang="en-US" b="1" dirty="0"/>
           </a:p>
@@ -10507,7 +10741,7 @@
         </p:blipFill>
         <p:spPr>
           <a:xfrm>
-            <a:off x="383822" y="1332090"/>
+            <a:off x="493849" y="937865"/>
             <a:ext cx="8145012" cy="4982270"/>
           </a:xfrm>
           <a:prstGeom prst="rect">
@@ -10528,7 +10762,7 @@
 </p:sld>
 </file>
 
-<file path=ppt/slides/slide12.xml><?xml version="1.0" encoding="utf-8"?>
+<file path=ppt/slides/slide13.xml><?xml version="1.0" encoding="utf-8"?>
 <p:sld xmlns:a="http://schemas.openxmlformats.org/drawingml/2006/main" xmlns:r="http://schemas.openxmlformats.org/officeDocument/2006/relationships" xmlns:p="http://schemas.openxmlformats.org/presentationml/2006/main">
   <p:cSld>
     <p:spTree>
@@ -10928,7 +11162,7 @@
             <a:fld id="{803D5D98-E6AF-418F-A1B9-21EEB670A939}" type="slidenum">
               <a:rPr lang="en-US" smtClean="0"/>
               <a:pPr/>
-              <a:t>12</a:t>
+              <a:t>13</a:t>
             </a:fld>
             <a:endParaRPr lang="en-US" b="1" dirty="0"/>
           </a:p>
@@ -10947,7 +11181,7 @@
 </p:sld>
 </file>
 
-<file path=ppt/slides/slide13.xml><?xml version="1.0" encoding="utf-8"?>
+<file path=ppt/slides/slide14.xml><?xml version="1.0" encoding="utf-8"?>
 <p:sld xmlns:a="http://schemas.openxmlformats.org/drawingml/2006/main" xmlns:r="http://schemas.openxmlformats.org/officeDocument/2006/relationships" xmlns:p="http://schemas.openxmlformats.org/presentationml/2006/main">
   <p:cSld>
     <p:spTree>
@@ -11394,7 +11628,7 @@
             <a:fld id="{803D5D98-E6AF-418F-A1B9-21EEB670A939}" type="slidenum">
               <a:rPr lang="en-US" smtClean="0"/>
               <a:pPr/>
-              <a:t>13</a:t>
+              <a:t>14</a:t>
             </a:fld>
             <a:endParaRPr lang="en-US" b="1" dirty="0"/>
           </a:p>
@@ -11413,7 +11647,7 @@
 </p:sld>
 </file>
 
-<file path=ppt/slides/slide14.xml><?xml version="1.0" encoding="utf-8"?>
+<file path=ppt/slides/slide15.xml><?xml version="1.0" encoding="utf-8"?>
 <p:sld xmlns:a="http://schemas.openxmlformats.org/drawingml/2006/main" xmlns:r="http://schemas.openxmlformats.org/officeDocument/2006/relationships" xmlns:p="http://schemas.openxmlformats.org/presentationml/2006/main">
   <p:cSld>
     <p:spTree>
@@ -11530,7 +11764,23 @@
                       <a:srgbClr val="FFC000"/>
                     </a:solidFill>
                   </a:rPr>
-                  <a:t>NH3 (</a:t>
+                  <a:t>NH</a:t>
+                </a:r>
+                <a:r>
+                  <a:rPr lang="en-US" baseline="-25000" dirty="0">
+                    <a:solidFill>
+                      <a:srgbClr val="FFC000"/>
+                    </a:solidFill>
+                  </a:rPr>
+                  <a:t>3</a:t>
+                </a:r>
+                <a:r>
+                  <a:rPr lang="en-US" dirty="0">
+                    <a:solidFill>
+                      <a:srgbClr val="FFC000"/>
+                    </a:solidFill>
+                  </a:rPr>
+                  <a:t> (</a:t>
                 </a:r>
                 <a:r>
                   <a:rPr lang="en-US" i="1" dirty="0">
@@ -11775,7 +12025,7 @@
             <a:fld id="{803D5D98-E6AF-418F-A1B9-21EEB670A939}" type="slidenum">
               <a:rPr lang="en-US" smtClean="0"/>
               <a:pPr/>
-              <a:t>14</a:t>
+              <a:t>15</a:t>
             </a:fld>
             <a:endParaRPr lang="en-US" b="1" dirty="0"/>
           </a:p>
@@ -11824,7 +12074,7 @@
 </p:sld>
 </file>
 
-<file path=ppt/slides/slide15.xml><?xml version="1.0" encoding="utf-8"?>
+<file path=ppt/slides/slide16.xml><?xml version="1.0" encoding="utf-8"?>
 <p:sld xmlns:a="http://schemas.openxmlformats.org/drawingml/2006/main" xmlns:r="http://schemas.openxmlformats.org/officeDocument/2006/relationships" xmlns:p="http://schemas.openxmlformats.org/presentationml/2006/main">
   <p:cSld>
     <p:spTree>
@@ -12309,7 +12559,7 @@
             <a:fld id="{803D5D98-E6AF-418F-A1B9-21EEB670A939}" type="slidenum">
               <a:rPr lang="en-US" smtClean="0"/>
               <a:pPr/>
-              <a:t>15</a:t>
+              <a:t>16</a:t>
             </a:fld>
             <a:endParaRPr lang="en-US" b="1" dirty="0"/>
           </a:p>
@@ -12328,7 +12578,7 @@
 </p:sld>
 </file>
 
-<file path=ppt/slides/slide16.xml><?xml version="1.0" encoding="utf-8"?>
+<file path=ppt/slides/slide17.xml><?xml version="1.0" encoding="utf-8"?>
 <p:sld xmlns:a="http://schemas.openxmlformats.org/drawingml/2006/main" xmlns:r="http://schemas.openxmlformats.org/officeDocument/2006/relationships" xmlns:p="http://schemas.openxmlformats.org/presentationml/2006/main">
   <p:cSld>
     <p:spTree>
@@ -12640,7 +12890,7 @@
             <a:fld id="{803D5D98-E6AF-418F-A1B9-21EEB670A939}" type="slidenum">
               <a:rPr lang="en-US" smtClean="0"/>
               <a:pPr/>
-              <a:t>16</a:t>
+              <a:t>17</a:t>
             </a:fld>
             <a:endParaRPr lang="en-US" b="1" dirty="0"/>
           </a:p>
@@ -12689,7 +12939,7 @@
 </p:sld>
 </file>
 
-<file path=ppt/slides/slide17.xml><?xml version="1.0" encoding="utf-8"?>
+<file path=ppt/slides/slide18.xml><?xml version="1.0" encoding="utf-8"?>
 <p:sld xmlns:a="http://schemas.openxmlformats.org/drawingml/2006/main" xmlns:r="http://schemas.openxmlformats.org/officeDocument/2006/relationships" xmlns:p="http://schemas.openxmlformats.org/presentationml/2006/main">
   <p:cSld>
     <p:spTree>
@@ -12893,7 +13143,7 @@
             <a:fld id="{803D5D98-E6AF-418F-A1B9-21EEB670A939}" type="slidenum">
               <a:rPr lang="en-US" smtClean="0"/>
               <a:pPr/>
-              <a:t>17</a:t>
+              <a:t>18</a:t>
             </a:fld>
             <a:endParaRPr lang="en-US" b="1" dirty="0"/>
           </a:p>
@@ -12942,7 +13192,7 @@
 </p:sld>
 </file>
 
-<file path=ppt/slides/slide18.xml><?xml version="1.0" encoding="utf-8"?>
+<file path=ppt/slides/slide19.xml><?xml version="1.0" encoding="utf-8"?>
 <p:sld xmlns:a="http://schemas.openxmlformats.org/drawingml/2006/main" xmlns:r="http://schemas.openxmlformats.org/officeDocument/2006/relationships" xmlns:p="http://schemas.openxmlformats.org/presentationml/2006/main">
   <p:cSld>
     <p:spTree>
@@ -13516,7 +13766,7 @@
             <a:fld id="{803D5D98-E6AF-418F-A1B9-21EEB670A939}" type="slidenum">
               <a:rPr lang="en-US" smtClean="0"/>
               <a:pPr/>
-              <a:t>18</a:t>
+              <a:t>19</a:t>
             </a:fld>
             <a:endParaRPr lang="en-US" b="1" dirty="0"/>
           </a:p>
@@ -13565,7 +13815,199 @@
 </p:sld>
 </file>
 
-<file path=ppt/slides/slide19.xml><?xml version="1.0" encoding="utf-8"?>
+<file path=ppt/slides/slide2.xml><?xml version="1.0" encoding="utf-8"?>
+<p:sld xmlns:a="http://schemas.openxmlformats.org/drawingml/2006/main" xmlns:r="http://schemas.openxmlformats.org/officeDocument/2006/relationships" xmlns:p="http://schemas.openxmlformats.org/presentationml/2006/main">
+  <p:cSld>
+    <p:spTree>
+      <p:nvGrpSpPr>
+        <p:cNvPr id="1" name=""/>
+        <p:cNvGrpSpPr/>
+        <p:nvPr/>
+      </p:nvGrpSpPr>
+      <p:grpSpPr>
+        <a:xfrm>
+          <a:off x="0" y="0"/>
+          <a:ext cx="0" cy="0"/>
+          <a:chOff x="0" y="0"/>
+          <a:chExt cx="0" cy="0"/>
+        </a:xfrm>
+      </p:grpSpPr>
+      <p:sp>
+        <p:nvSpPr>
+          <p:cNvPr id="3" name="Content Placeholder 2">
+            <a:extLst>
+              <a:ext uri="{FF2B5EF4-FFF2-40B4-BE49-F238E27FC236}">
+                <a16:creationId xmlns:a16="http://schemas.microsoft.com/office/drawing/2014/main" id="{C341FBD3-0514-8353-DC9F-F58F99F36205}"/>
+              </a:ext>
+            </a:extLst>
+          </p:cNvPr>
+          <p:cNvSpPr>
+            <a:spLocks noGrp="1"/>
+          </p:cNvSpPr>
+          <p:nvPr>
+            <p:ph idx="1"/>
+          </p:nvPr>
+        </p:nvSpPr>
+        <p:spPr>
+          <a:xfrm>
+            <a:off x="378177" y="374828"/>
+            <a:ext cx="8387645" cy="6276003"/>
+          </a:xfrm>
+        </p:spPr>
+        <p:txBody>
+          <a:bodyPr/>
+          <a:lstStyle/>
+          <a:p>
+            <a:pPr marL="0" indent="0">
+              <a:buNone/>
+            </a:pPr>
+            <a:r>
+              <a:rPr lang="en-US" b="1" dirty="0"/>
+              <a:t>Acids and Bases</a:t>
+            </a:r>
+          </a:p>
+          <a:p>
+            <a:r>
+              <a:rPr lang="en-US" sz="1800" dirty="0"/>
+              <a:t>Acids</a:t>
+            </a:r>
+          </a:p>
+          <a:p>
+            <a:r>
+              <a:rPr lang="en-US" sz="1800" dirty="0"/>
+              <a:t>Specific Acids</a:t>
+            </a:r>
+          </a:p>
+          <a:p>
+            <a:r>
+              <a:rPr lang="en-US" sz="1800" dirty="0"/>
+              <a:t>Bases</a:t>
+            </a:r>
+          </a:p>
+          <a:p>
+            <a:r>
+              <a:rPr lang="en-US" sz="1800" dirty="0"/>
+              <a:t>Specific Bases</a:t>
+            </a:r>
+          </a:p>
+          <a:p>
+            <a:r>
+              <a:rPr lang="en-US" sz="1800" dirty="0"/>
+              <a:t>Definition of Acid, Base</a:t>
+            </a:r>
+          </a:p>
+          <a:p>
+            <a:r>
+              <a:rPr lang="en-US" sz="1800" dirty="0"/>
+              <a:t>- Bronsted-Lowry</a:t>
+            </a:r>
+          </a:p>
+          <a:p>
+            <a:r>
+              <a:rPr lang="en-US" sz="1800" dirty="0"/>
+              <a:t>Hydronium Ion</a:t>
+            </a:r>
+          </a:p>
+          <a:p>
+            <a:r>
+              <a:rPr lang="en-US" sz="1800" dirty="0"/>
+              <a:t>Conjugate Acid-Base Pair</a:t>
+            </a:r>
+          </a:p>
+          <a:p>
+            <a:r>
+              <a:rPr lang="en-US" sz="1800" dirty="0"/>
+              <a:t>Reactions</a:t>
+            </a:r>
+          </a:p>
+          <a:p>
+            <a:r>
+              <a:rPr lang="en-US" sz="1800" dirty="0"/>
+              <a:t>- Neutralization</a:t>
+            </a:r>
+          </a:p>
+          <a:p>
+            <a:r>
+              <a:rPr lang="en-US" sz="1800" dirty="0"/>
+              <a:t>- With Active Metals</a:t>
+            </a:r>
+          </a:p>
+          <a:p>
+            <a:r>
+              <a:rPr lang="en-US" sz="1800" dirty="0"/>
+              <a:t>Strong and Weak Acids &amp; Bases</a:t>
+            </a:r>
+          </a:p>
+          <a:p>
+            <a:r>
+              <a:rPr lang="en-US" sz="1800" dirty="0"/>
+              <a:t>Water Equilibrium Constant, Kw</a:t>
+            </a:r>
+          </a:p>
+          <a:p>
+            <a:r>
+              <a:rPr lang="en-US" sz="1800" dirty="0"/>
+              <a:t>pH scale and math of pH</a:t>
+            </a:r>
+          </a:p>
+          <a:p>
+            <a:r>
+              <a:rPr lang="en-US" sz="1800" dirty="0"/>
+              <a:t>pOH</a:t>
+            </a:r>
+          </a:p>
+          <a:p>
+            <a:r>
+              <a:rPr lang="en-US" sz="1800" dirty="0"/>
+              <a:t>Buffers</a:t>
+            </a:r>
+          </a:p>
+        </p:txBody>
+      </p:sp>
+      <p:sp>
+        <p:nvSpPr>
+          <p:cNvPr id="4" name="Slide Number Placeholder 3">
+            <a:extLst>
+              <a:ext uri="{FF2B5EF4-FFF2-40B4-BE49-F238E27FC236}">
+                <a16:creationId xmlns:a16="http://schemas.microsoft.com/office/drawing/2014/main" id="{D7191663-B6F6-CAD8-7320-9D92AA490B22}"/>
+              </a:ext>
+            </a:extLst>
+          </p:cNvPr>
+          <p:cNvSpPr>
+            <a:spLocks noGrp="1"/>
+          </p:cNvSpPr>
+          <p:nvPr>
+            <p:ph type="sldNum" sz="quarter" idx="10"/>
+          </p:nvPr>
+        </p:nvSpPr>
+        <p:spPr/>
+        <p:txBody>
+          <a:bodyPr/>
+          <a:lstStyle/>
+          <a:p>
+            <a:fld id="{803D5D98-E6AF-418F-A1B9-21EEB670A939}" type="slidenum">
+              <a:rPr lang="en-US" smtClean="0"/>
+              <a:pPr/>
+              <a:t>2</a:t>
+            </a:fld>
+            <a:endParaRPr lang="en-US" b="1" dirty="0"/>
+          </a:p>
+        </p:txBody>
+      </p:sp>
+    </p:spTree>
+    <p:extLst>
+      <p:ext uri="{BB962C8B-B14F-4D97-AF65-F5344CB8AC3E}">
+        <p14:creationId xmlns:p14="http://schemas.microsoft.com/office/powerpoint/2010/main" val="1297592202"/>
+      </p:ext>
+    </p:extLst>
+  </p:cSld>
+  <p:clrMapOvr>
+    <a:masterClrMapping/>
+  </p:clrMapOvr>
+</p:sld>
+</file>
+
+<file path=ppt/slides/slide20.xml><?xml version="1.0" encoding="utf-8"?>
 <p:sld xmlns:a="http://schemas.openxmlformats.org/drawingml/2006/main" xmlns:r="http://schemas.openxmlformats.org/officeDocument/2006/relationships" xmlns:p="http://schemas.openxmlformats.org/presentationml/2006/main">
   <p:cSld>
     <p:spTree>
@@ -14237,7 +14679,7 @@
             <a:fld id="{803D5D98-E6AF-418F-A1B9-21EEB670A939}" type="slidenum">
               <a:rPr lang="en-US" smtClean="0"/>
               <a:pPr/>
-              <a:t>19</a:t>
+              <a:t>20</a:t>
             </a:fld>
             <a:endParaRPr lang="en-US" b="1" dirty="0"/>
           </a:p>
@@ -14596,199 +15038,7 @@
 </p:sld>
 </file>
 
-<file path=ppt/slides/slide2.xml><?xml version="1.0" encoding="utf-8"?>
-<p:sld xmlns:a="http://schemas.openxmlformats.org/drawingml/2006/main" xmlns:r="http://schemas.openxmlformats.org/officeDocument/2006/relationships" xmlns:p="http://schemas.openxmlformats.org/presentationml/2006/main">
-  <p:cSld>
-    <p:spTree>
-      <p:nvGrpSpPr>
-        <p:cNvPr id="1" name=""/>
-        <p:cNvGrpSpPr/>
-        <p:nvPr/>
-      </p:nvGrpSpPr>
-      <p:grpSpPr>
-        <a:xfrm>
-          <a:off x="0" y="0"/>
-          <a:ext cx="0" cy="0"/>
-          <a:chOff x="0" y="0"/>
-          <a:chExt cx="0" cy="0"/>
-        </a:xfrm>
-      </p:grpSpPr>
-      <p:sp>
-        <p:nvSpPr>
-          <p:cNvPr id="3" name="Content Placeholder 2">
-            <a:extLst>
-              <a:ext uri="{FF2B5EF4-FFF2-40B4-BE49-F238E27FC236}">
-                <a16:creationId xmlns:a16="http://schemas.microsoft.com/office/drawing/2014/main" id="{C341FBD3-0514-8353-DC9F-F58F99F36205}"/>
-              </a:ext>
-            </a:extLst>
-          </p:cNvPr>
-          <p:cNvSpPr>
-            <a:spLocks noGrp="1"/>
-          </p:cNvSpPr>
-          <p:nvPr>
-            <p:ph idx="1"/>
-          </p:nvPr>
-        </p:nvSpPr>
-        <p:spPr>
-          <a:xfrm>
-            <a:off x="378177" y="374828"/>
-            <a:ext cx="8387645" cy="6276003"/>
-          </a:xfrm>
-        </p:spPr>
-        <p:txBody>
-          <a:bodyPr/>
-          <a:lstStyle/>
-          <a:p>
-            <a:pPr marL="0" indent="0">
-              <a:buNone/>
-            </a:pPr>
-            <a:r>
-              <a:rPr lang="en-US" b="1" dirty="0"/>
-              <a:t>Acids and Bases</a:t>
-            </a:r>
-          </a:p>
-          <a:p>
-            <a:r>
-              <a:rPr lang="en-US" sz="1800" dirty="0"/>
-              <a:t>Acids</a:t>
-            </a:r>
-          </a:p>
-          <a:p>
-            <a:r>
-              <a:rPr lang="en-US" sz="1800" dirty="0"/>
-              <a:t>Specific Acids</a:t>
-            </a:r>
-          </a:p>
-          <a:p>
-            <a:r>
-              <a:rPr lang="en-US" sz="1800" dirty="0"/>
-              <a:t>Bases</a:t>
-            </a:r>
-          </a:p>
-          <a:p>
-            <a:r>
-              <a:rPr lang="en-US" sz="1800" dirty="0"/>
-              <a:t>Specific Bases</a:t>
-            </a:r>
-          </a:p>
-          <a:p>
-            <a:r>
-              <a:rPr lang="en-US" sz="1800" dirty="0"/>
-              <a:t>Definition of Acid, Base</a:t>
-            </a:r>
-          </a:p>
-          <a:p>
-            <a:r>
-              <a:rPr lang="en-US" sz="1800" dirty="0"/>
-              <a:t>- Bronsted-Lowry</a:t>
-            </a:r>
-          </a:p>
-          <a:p>
-            <a:r>
-              <a:rPr lang="en-US" sz="1800" dirty="0"/>
-              <a:t>Hydronium Ion</a:t>
-            </a:r>
-          </a:p>
-          <a:p>
-            <a:r>
-              <a:rPr lang="en-US" sz="1800" dirty="0"/>
-              <a:t>Conjugate Acid-Base Pair</a:t>
-            </a:r>
-          </a:p>
-          <a:p>
-            <a:r>
-              <a:rPr lang="en-US" sz="1800" dirty="0"/>
-              <a:t>Reactions</a:t>
-            </a:r>
-          </a:p>
-          <a:p>
-            <a:r>
-              <a:rPr lang="en-US" sz="1800" dirty="0"/>
-              <a:t>- Neutralization</a:t>
-            </a:r>
-          </a:p>
-          <a:p>
-            <a:r>
-              <a:rPr lang="en-US" sz="1800" dirty="0"/>
-              <a:t>- With Active Metals</a:t>
-            </a:r>
-          </a:p>
-          <a:p>
-            <a:r>
-              <a:rPr lang="en-US" sz="1800" dirty="0"/>
-              <a:t>Strong and Weak Acids &amp; Bases</a:t>
-            </a:r>
-          </a:p>
-          <a:p>
-            <a:r>
-              <a:rPr lang="en-US" sz="1800" dirty="0"/>
-              <a:t>Water Equilibrium Constant, Kw</a:t>
-            </a:r>
-          </a:p>
-          <a:p>
-            <a:r>
-              <a:rPr lang="en-US" sz="1800" dirty="0"/>
-              <a:t>pH scale and math of pH</a:t>
-            </a:r>
-          </a:p>
-          <a:p>
-            <a:r>
-              <a:rPr lang="en-US" sz="1800" dirty="0"/>
-              <a:t>pOH</a:t>
-            </a:r>
-          </a:p>
-          <a:p>
-            <a:r>
-              <a:rPr lang="en-US" sz="1800" dirty="0"/>
-              <a:t>Buffers</a:t>
-            </a:r>
-          </a:p>
-        </p:txBody>
-      </p:sp>
-      <p:sp>
-        <p:nvSpPr>
-          <p:cNvPr id="4" name="Slide Number Placeholder 3">
-            <a:extLst>
-              <a:ext uri="{FF2B5EF4-FFF2-40B4-BE49-F238E27FC236}">
-                <a16:creationId xmlns:a16="http://schemas.microsoft.com/office/drawing/2014/main" id="{D7191663-B6F6-CAD8-7320-9D92AA490B22}"/>
-              </a:ext>
-            </a:extLst>
-          </p:cNvPr>
-          <p:cNvSpPr>
-            <a:spLocks noGrp="1"/>
-          </p:cNvSpPr>
-          <p:nvPr>
-            <p:ph type="sldNum" sz="quarter" idx="10"/>
-          </p:nvPr>
-        </p:nvSpPr>
-        <p:spPr/>
-        <p:txBody>
-          <a:bodyPr/>
-          <a:lstStyle/>
-          <a:p>
-            <a:fld id="{803D5D98-E6AF-418F-A1B9-21EEB670A939}" type="slidenum">
-              <a:rPr lang="en-US" smtClean="0"/>
-              <a:pPr/>
-              <a:t>2</a:t>
-            </a:fld>
-            <a:endParaRPr lang="en-US" b="1" dirty="0"/>
-          </a:p>
-        </p:txBody>
-      </p:sp>
-    </p:spTree>
-    <p:extLst>
-      <p:ext uri="{BB962C8B-B14F-4D97-AF65-F5344CB8AC3E}">
-        <p14:creationId xmlns:p14="http://schemas.microsoft.com/office/powerpoint/2010/main" val="1297592202"/>
-      </p:ext>
-    </p:extLst>
-  </p:cSld>
-  <p:clrMapOvr>
-    <a:masterClrMapping/>
-  </p:clrMapOvr>
-</p:sld>
-</file>
-
-<file path=ppt/slides/slide20.xml><?xml version="1.0" encoding="utf-8"?>
+<file path=ppt/slides/slide21.xml><?xml version="1.0" encoding="utf-8"?>
 <p:sld xmlns:a="http://schemas.openxmlformats.org/drawingml/2006/main" xmlns:r="http://schemas.openxmlformats.org/officeDocument/2006/relationships" xmlns:p="http://schemas.openxmlformats.org/presentationml/2006/main">
   <p:cSld>
     <p:spTree>
@@ -15033,7 +15283,7 @@
             <a:fld id="{803D5D98-E6AF-418F-A1B9-21EEB670A939}" type="slidenum">
               <a:rPr lang="en-US" smtClean="0"/>
               <a:pPr/>
-              <a:t>20</a:t>
+              <a:t>21</a:t>
             </a:fld>
             <a:endParaRPr lang="en-US" b="1" dirty="0"/>
           </a:p>
@@ -15082,7 +15332,7 @@
 </p:sld>
 </file>
 
-<file path=ppt/slides/slide21.xml><?xml version="1.0" encoding="utf-8"?>
+<file path=ppt/slides/slide22.xml><?xml version="1.0" encoding="utf-8"?>
 <p:sld xmlns:a="http://schemas.openxmlformats.org/drawingml/2006/main" xmlns:r="http://schemas.openxmlformats.org/officeDocument/2006/relationships" xmlns:p="http://schemas.openxmlformats.org/presentationml/2006/main">
   <p:cSld>
     <p:spTree>
@@ -15202,7 +15452,7 @@
             <a:fld id="{803D5D98-E6AF-418F-A1B9-21EEB670A939}" type="slidenum">
               <a:rPr lang="en-US" smtClean="0"/>
               <a:pPr/>
-              <a:t>21</a:t>
+              <a:t>22</a:t>
             </a:fld>
             <a:endParaRPr lang="en-US" b="1" dirty="0"/>
           </a:p>
@@ -15251,7 +15501,7 @@
 </p:sld>
 </file>
 
-<file path=ppt/slides/slide22.xml><?xml version="1.0" encoding="utf-8"?>
+<file path=ppt/slides/slide23.xml><?xml version="1.0" encoding="utf-8"?>
 <p:sld xmlns:a="http://schemas.openxmlformats.org/drawingml/2006/main" xmlns:r="http://schemas.openxmlformats.org/officeDocument/2006/relationships" xmlns:p="http://schemas.openxmlformats.org/presentationml/2006/main">
   <p:cSld>
     <p:spTree>
@@ -15374,7 +15624,7 @@
             <a:fld id="{803D5D98-E6AF-418F-A1B9-21EEB670A939}" type="slidenum">
               <a:rPr lang="en-US" smtClean="0"/>
               <a:pPr/>
-              <a:t>22</a:t>
+              <a:t>23</a:t>
             </a:fld>
             <a:endParaRPr lang="en-US" b="1" dirty="0"/>
           </a:p>
@@ -15423,7 +15673,7 @@
 </p:sld>
 </file>
 
-<file path=ppt/slides/slide23.xml><?xml version="1.0" encoding="utf-8"?>
+<file path=ppt/slides/slide24.xml><?xml version="1.0" encoding="utf-8"?>
 <p:sld xmlns:a="http://schemas.openxmlformats.org/drawingml/2006/main" xmlns:r="http://schemas.openxmlformats.org/officeDocument/2006/relationships" xmlns:p="http://schemas.openxmlformats.org/presentationml/2006/main">
   <p:cSld>
     <p:spTree>
@@ -15973,7 +16223,7 @@
             <a:fld id="{803D5D98-E6AF-418F-A1B9-21EEB670A939}" type="slidenum">
               <a:rPr lang="en-US" smtClean="0"/>
               <a:pPr/>
-              <a:t>23</a:t>
+              <a:t>24</a:t>
             </a:fld>
             <a:endParaRPr lang="en-US" b="1" dirty="0"/>
           </a:p>
@@ -15992,7 +16242,7 @@
 </p:sld>
 </file>
 
-<file path=ppt/slides/slide24.xml><?xml version="1.0" encoding="utf-8"?>
+<file path=ppt/slides/slide25.xml><?xml version="1.0" encoding="utf-8"?>
 <p:sld xmlns:a="http://schemas.openxmlformats.org/drawingml/2006/main" xmlns:r="http://schemas.openxmlformats.org/officeDocument/2006/relationships" xmlns:p="http://schemas.openxmlformats.org/presentationml/2006/main">
   <p:cSld>
     <p:spTree>
@@ -16637,7 +16887,7 @@
             <a:fld id="{803D5D98-E6AF-418F-A1B9-21EEB670A939}" type="slidenum">
               <a:rPr lang="en-US" smtClean="0"/>
               <a:pPr/>
-              <a:t>24</a:t>
+              <a:t>25</a:t>
             </a:fld>
             <a:endParaRPr lang="en-US" b="1" dirty="0"/>
           </a:p>
@@ -16656,7 +16906,7 @@
 </p:sld>
 </file>
 
-<file path=ppt/slides/slide25.xml><?xml version="1.0" encoding="utf-8"?>
+<file path=ppt/slides/slide26.xml><?xml version="1.0" encoding="utf-8"?>
 <p:sld xmlns:a="http://schemas.openxmlformats.org/drawingml/2006/main" xmlns:r="http://schemas.openxmlformats.org/officeDocument/2006/relationships" xmlns:p="http://schemas.openxmlformats.org/presentationml/2006/main">
   <p:cSld>
     <p:spTree>
@@ -17156,7 +17406,7 @@
             <a:fld id="{803D5D98-E6AF-418F-A1B9-21EEB670A939}" type="slidenum">
               <a:rPr lang="en-US" smtClean="0"/>
               <a:pPr/>
-              <a:t>25</a:t>
+              <a:t>26</a:t>
             </a:fld>
             <a:endParaRPr lang="en-US" b="1" dirty="0"/>
           </a:p>
@@ -17175,7 +17425,7 @@
 </p:sld>
 </file>
 
-<file path=ppt/slides/slide26.xml><?xml version="1.0" encoding="utf-8"?>
+<file path=ppt/slides/slide27.xml><?xml version="1.0" encoding="utf-8"?>
 <p:sld xmlns:a="http://schemas.openxmlformats.org/drawingml/2006/main" xmlns:r="http://schemas.openxmlformats.org/officeDocument/2006/relationships" xmlns:p="http://schemas.openxmlformats.org/presentationml/2006/main">
   <p:cSld>
     <p:spTree>
@@ -17854,7 +18104,7 @@
             <a:fld id="{803D5D98-E6AF-418F-A1B9-21EEB670A939}" type="slidenum">
               <a:rPr lang="en-US" smtClean="0"/>
               <a:pPr/>
-              <a:t>26</a:t>
+              <a:t>27</a:t>
             </a:fld>
             <a:endParaRPr lang="en-US" b="1" dirty="0"/>
           </a:p>
@@ -17873,7 +18123,7 @@
 </p:sld>
 </file>
 
-<file path=ppt/slides/slide27.xml><?xml version="1.0" encoding="utf-8"?>
+<file path=ppt/slides/slide28.xml><?xml version="1.0" encoding="utf-8"?>
 <p:sld xmlns:a="http://schemas.openxmlformats.org/drawingml/2006/main" xmlns:r="http://schemas.openxmlformats.org/officeDocument/2006/relationships" xmlns:p="http://schemas.openxmlformats.org/presentationml/2006/main">
   <p:cSld>
     <p:spTree>
@@ -18548,7 +18798,7 @@
             <a:fld id="{803D5D98-E6AF-418F-A1B9-21EEB670A939}" type="slidenum">
               <a:rPr lang="en-US" smtClean="0"/>
               <a:pPr/>
-              <a:t>27</a:t>
+              <a:t>28</a:t>
             </a:fld>
             <a:endParaRPr lang="en-US" b="1" dirty="0"/>
           </a:p>
@@ -18567,7 +18817,7 @@
 </p:sld>
 </file>
 
-<file path=ppt/slides/slide28.xml><?xml version="1.0" encoding="utf-8"?>
+<file path=ppt/slides/slide29.xml><?xml version="1.0" encoding="utf-8"?>
 <p:sld xmlns:a="http://schemas.openxmlformats.org/drawingml/2006/main" xmlns:r="http://schemas.openxmlformats.org/officeDocument/2006/relationships" xmlns:p="http://schemas.openxmlformats.org/presentationml/2006/main">
   <p:cSld>
     <p:spTree>
@@ -19081,7 +19331,7 @@
             <a:fld id="{803D5D98-E6AF-418F-A1B9-21EEB670A939}" type="slidenum">
               <a:rPr lang="en-US" smtClean="0"/>
               <a:pPr/>
-              <a:t>28</a:t>
+              <a:t>29</a:t>
             </a:fld>
             <a:endParaRPr lang="en-US" b="1" dirty="0"/>
           </a:p>
@@ -19091,304 +19341,6 @@
     <p:extLst>
       <p:ext uri="{BB962C8B-B14F-4D97-AF65-F5344CB8AC3E}">
         <p14:creationId xmlns:p14="http://schemas.microsoft.com/office/powerpoint/2010/main" val="4243371277"/>
-      </p:ext>
-    </p:extLst>
-  </p:cSld>
-  <p:clrMapOvr>
-    <a:masterClrMapping/>
-  </p:clrMapOvr>
-</p:sld>
-</file>
-
-<file path=ppt/slides/slide29.xml><?xml version="1.0" encoding="utf-8"?>
-<p:sld xmlns:a="http://schemas.openxmlformats.org/drawingml/2006/main" xmlns:r="http://schemas.openxmlformats.org/officeDocument/2006/relationships" xmlns:p="http://schemas.openxmlformats.org/presentationml/2006/main">
-  <p:cSld>
-    <p:spTree>
-      <p:nvGrpSpPr>
-        <p:cNvPr id="1" name="">
-          <a:extLst>
-            <a:ext uri="{FF2B5EF4-FFF2-40B4-BE49-F238E27FC236}">
-              <a16:creationId xmlns:a16="http://schemas.microsoft.com/office/drawing/2014/main" id="{9292D8AF-F223-098E-8C03-BBD01EC23901}"/>
-            </a:ext>
-          </a:extLst>
-        </p:cNvPr>
-        <p:cNvGrpSpPr/>
-        <p:nvPr/>
-      </p:nvGrpSpPr>
-      <p:grpSpPr>
-        <a:xfrm>
-          <a:off x="0" y="0"/>
-          <a:ext cx="0" cy="0"/>
-          <a:chOff x="0" y="0"/>
-          <a:chExt cx="0" cy="0"/>
-        </a:xfrm>
-      </p:grpSpPr>
-      <p:sp>
-        <p:nvSpPr>
-          <p:cNvPr id="4" name="Title 3">
-            <a:extLst>
-              <a:ext uri="{FF2B5EF4-FFF2-40B4-BE49-F238E27FC236}">
-                <a16:creationId xmlns:a16="http://schemas.microsoft.com/office/drawing/2014/main" id="{0D84347E-264B-FA6D-E9E5-F0BCF6D13886}"/>
-              </a:ext>
-            </a:extLst>
-          </p:cNvPr>
-          <p:cNvSpPr>
-            <a:spLocks noGrp="1"/>
-          </p:cNvSpPr>
-          <p:nvPr>
-            <p:ph type="title"/>
-          </p:nvPr>
-        </p:nvSpPr>
-        <p:spPr>
-          <a:xfrm>
-            <a:off x="364067" y="244518"/>
-            <a:ext cx="8421512" cy="830997"/>
-          </a:xfrm>
-        </p:spPr>
-        <p:txBody>
-          <a:bodyPr/>
-          <a:lstStyle/>
-          <a:p>
-            <a:r>
-              <a:rPr lang="en-US" dirty="0"/>
-              <a:t>Strong / Weak Acids &amp; Bases</a:t>
-            </a:r>
-          </a:p>
-        </p:txBody>
-      </p:sp>
-      <p:sp>
-        <p:nvSpPr>
-          <p:cNvPr id="5" name="Content Placeholder 4">
-            <a:extLst>
-              <a:ext uri="{FF2B5EF4-FFF2-40B4-BE49-F238E27FC236}">
-                <a16:creationId xmlns:a16="http://schemas.microsoft.com/office/drawing/2014/main" id="{043281E9-2318-F4B8-35EB-080B7C58A53C}"/>
-              </a:ext>
-            </a:extLst>
-          </p:cNvPr>
-          <p:cNvSpPr>
-            <a:spLocks noGrp="1"/>
-          </p:cNvSpPr>
-          <p:nvPr>
-            <p:ph idx="1"/>
-          </p:nvPr>
-        </p:nvSpPr>
-        <p:spPr>
-          <a:xfrm>
-            <a:off x="372533" y="1135626"/>
-            <a:ext cx="8387645" cy="5411929"/>
-          </a:xfrm>
-        </p:spPr>
-        <p:txBody>
-          <a:bodyPr/>
-          <a:lstStyle/>
-          <a:p>
-            <a:r>
-              <a:rPr lang="en-US" dirty="0">
-                <a:sym typeface="Wingdings" panose="05000000000000000000" pitchFamily="2" charset="2"/>
-              </a:rPr>
-              <a:t>Acids have a strength to them, with strength determined by whether they ionize in water (aqueous solution) completely (100%) or less than that</a:t>
-            </a:r>
-          </a:p>
-          <a:p>
-            <a:endParaRPr lang="en-US" dirty="0">
-              <a:sym typeface="Wingdings" panose="05000000000000000000" pitchFamily="2" charset="2"/>
-            </a:endParaRPr>
-          </a:p>
-          <a:p>
-            <a:r>
-              <a:rPr lang="en-US" b="1" dirty="0">
-                <a:solidFill>
-                  <a:srgbClr val="00FF00"/>
-                </a:solidFill>
-                <a:sym typeface="Wingdings" panose="05000000000000000000" pitchFamily="2" charset="2"/>
-              </a:rPr>
-              <a:t>Strong acids</a:t>
-            </a:r>
-            <a:r>
-              <a:rPr lang="en-US" dirty="0">
-                <a:sym typeface="Wingdings" panose="05000000000000000000" pitchFamily="2" charset="2"/>
-              </a:rPr>
-              <a:t> and </a:t>
-            </a:r>
-            <a:r>
-              <a:rPr lang="en-US" b="1" dirty="0">
-                <a:solidFill>
-                  <a:srgbClr val="00FF00"/>
-                </a:solidFill>
-                <a:sym typeface="Wingdings" panose="05000000000000000000" pitchFamily="2" charset="2"/>
-              </a:rPr>
-              <a:t>bases</a:t>
-            </a:r>
-            <a:r>
-              <a:rPr lang="en-US" dirty="0">
-                <a:sym typeface="Wingdings" panose="05000000000000000000" pitchFamily="2" charset="2"/>
-              </a:rPr>
-              <a:t> are</a:t>
-            </a:r>
-            <a:br>
-              <a:rPr lang="en-US" dirty="0">
-                <a:sym typeface="Wingdings" panose="05000000000000000000" pitchFamily="2" charset="2"/>
-              </a:rPr>
-            </a:br>
-            <a:r>
-              <a:rPr lang="en-US" dirty="0">
-                <a:sym typeface="Wingdings" panose="05000000000000000000" pitchFamily="2" charset="2"/>
-              </a:rPr>
-              <a:t>those that dissociate (ionize)</a:t>
-            </a:r>
-            <a:br>
-              <a:rPr lang="en-US" dirty="0">
-                <a:sym typeface="Wingdings" panose="05000000000000000000" pitchFamily="2" charset="2"/>
-              </a:rPr>
-            </a:br>
-            <a:r>
-              <a:rPr lang="en-US" dirty="0">
-                <a:sym typeface="Wingdings" panose="05000000000000000000" pitchFamily="2" charset="2"/>
-              </a:rPr>
-              <a:t>completely (100%) in</a:t>
-            </a:r>
-            <a:br>
-              <a:rPr lang="en-US" dirty="0">
-                <a:sym typeface="Wingdings" panose="05000000000000000000" pitchFamily="2" charset="2"/>
-              </a:rPr>
-            </a:br>
-            <a:r>
-              <a:rPr lang="en-US" dirty="0">
-                <a:sym typeface="Wingdings" panose="05000000000000000000" pitchFamily="2" charset="2"/>
-              </a:rPr>
-              <a:t>aqueous solution</a:t>
-            </a:r>
-          </a:p>
-          <a:p>
-            <a:r>
-              <a:rPr lang="en-US" b="1" dirty="0">
-                <a:solidFill>
-                  <a:srgbClr val="00FF00"/>
-                </a:solidFill>
-                <a:sym typeface="Wingdings" panose="05000000000000000000" pitchFamily="2" charset="2"/>
-              </a:rPr>
-              <a:t>Weak acids </a:t>
-            </a:r>
-            <a:r>
-              <a:rPr lang="en-US" dirty="0">
-                <a:sym typeface="Wingdings" panose="05000000000000000000" pitchFamily="2" charset="2"/>
-              </a:rPr>
-              <a:t>and </a:t>
-            </a:r>
-            <a:r>
-              <a:rPr lang="en-US" b="1" dirty="0">
-                <a:solidFill>
-                  <a:srgbClr val="00FF00"/>
-                </a:solidFill>
-                <a:sym typeface="Wingdings" panose="05000000000000000000" pitchFamily="2" charset="2"/>
-              </a:rPr>
-              <a:t>bases</a:t>
-            </a:r>
-            <a:r>
-              <a:rPr lang="en-US" dirty="0">
-                <a:sym typeface="Wingdings" panose="05000000000000000000" pitchFamily="2" charset="2"/>
-              </a:rPr>
-              <a:t> are</a:t>
-            </a:r>
-            <a:br>
-              <a:rPr lang="en-US" dirty="0">
-                <a:sym typeface="Wingdings" panose="05000000000000000000" pitchFamily="2" charset="2"/>
-              </a:rPr>
-            </a:br>
-            <a:r>
-              <a:rPr lang="en-US" dirty="0">
-                <a:sym typeface="Wingdings" panose="05000000000000000000" pitchFamily="2" charset="2"/>
-              </a:rPr>
-              <a:t>those that dissociate (ionize)</a:t>
-            </a:r>
-            <a:br>
-              <a:rPr lang="en-US" dirty="0">
-                <a:sym typeface="Wingdings" panose="05000000000000000000" pitchFamily="2" charset="2"/>
-              </a:rPr>
-            </a:br>
-            <a:r>
-              <a:rPr lang="en-US" dirty="0">
-                <a:sym typeface="Wingdings" panose="05000000000000000000" pitchFamily="2" charset="2"/>
-              </a:rPr>
-              <a:t>partially (less than 100%)</a:t>
-            </a:r>
-          </a:p>
-          <a:p>
-            <a:endParaRPr lang="en-US" dirty="0">
-              <a:sym typeface="Wingdings" panose="05000000000000000000" pitchFamily="2" charset="2"/>
-            </a:endParaRPr>
-          </a:p>
-          <a:p>
-            <a:endParaRPr lang="en-US" dirty="0">
-              <a:sym typeface="Wingdings" panose="05000000000000000000" pitchFamily="2" charset="2"/>
-            </a:endParaRPr>
-          </a:p>
-        </p:txBody>
-      </p:sp>
-      <p:sp>
-        <p:nvSpPr>
-          <p:cNvPr id="6" name="Slide Number Placeholder 5">
-            <a:extLst>
-              <a:ext uri="{FF2B5EF4-FFF2-40B4-BE49-F238E27FC236}">
-                <a16:creationId xmlns:a16="http://schemas.microsoft.com/office/drawing/2014/main" id="{88CB8BB0-1350-E35F-6C3D-6167C6E026B2}"/>
-              </a:ext>
-            </a:extLst>
-          </p:cNvPr>
-          <p:cNvSpPr>
-            <a:spLocks noGrp="1"/>
-          </p:cNvSpPr>
-          <p:nvPr>
-            <p:ph type="sldNum" sz="quarter" idx="10"/>
-          </p:nvPr>
-        </p:nvSpPr>
-        <p:spPr/>
-        <p:txBody>
-          <a:bodyPr/>
-          <a:lstStyle/>
-          <a:p>
-            <a:fld id="{803D5D98-E6AF-418F-A1B9-21EEB670A939}" type="slidenum">
-              <a:rPr lang="en-US" smtClean="0"/>
-              <a:pPr/>
-              <a:t>29</a:t>
-            </a:fld>
-            <a:endParaRPr lang="en-US" b="1" dirty="0"/>
-          </a:p>
-        </p:txBody>
-      </p:sp>
-      <p:pic>
-        <p:nvPicPr>
-          <p:cNvPr id="3" name="Picture 2">
-            <a:extLst>
-              <a:ext uri="{FF2B5EF4-FFF2-40B4-BE49-F238E27FC236}">
-                <a16:creationId xmlns:a16="http://schemas.microsoft.com/office/drawing/2014/main" id="{24403522-DFE4-B124-0A88-26D0888B3AF9}"/>
-              </a:ext>
-            </a:extLst>
-          </p:cNvPr>
-          <p:cNvPicPr>
-            <a:picLocks noChangeAspect="1"/>
-          </p:cNvPicPr>
-          <p:nvPr/>
-        </p:nvPicPr>
-        <p:blipFill>
-          <a:blip r:embed="rId2"/>
-          <a:stretch>
-            <a:fillRect/>
-          </a:stretch>
-        </p:blipFill>
-        <p:spPr>
-          <a:xfrm>
-            <a:off x="5361442" y="2778121"/>
-            <a:ext cx="3515007" cy="2944253"/>
-          </a:xfrm>
-          <a:prstGeom prst="rect">
-            <a:avLst/>
-          </a:prstGeom>
-        </p:spPr>
-      </p:pic>
-    </p:spTree>
-    <p:extLst>
-      <p:ext uri="{BB962C8B-B14F-4D97-AF65-F5344CB8AC3E}">
-        <p14:creationId xmlns:p14="http://schemas.microsoft.com/office/powerpoint/2010/main" val="4078389599"/>
       </p:ext>
     </p:extLst>
   </p:cSld>
@@ -19809,6 +19761,304 @@
         <p:cNvPr id="1" name="">
           <a:extLst>
             <a:ext uri="{FF2B5EF4-FFF2-40B4-BE49-F238E27FC236}">
+              <a16:creationId xmlns:a16="http://schemas.microsoft.com/office/drawing/2014/main" id="{9292D8AF-F223-098E-8C03-BBD01EC23901}"/>
+            </a:ext>
+          </a:extLst>
+        </p:cNvPr>
+        <p:cNvGrpSpPr/>
+        <p:nvPr/>
+      </p:nvGrpSpPr>
+      <p:grpSpPr>
+        <a:xfrm>
+          <a:off x="0" y="0"/>
+          <a:ext cx="0" cy="0"/>
+          <a:chOff x="0" y="0"/>
+          <a:chExt cx="0" cy="0"/>
+        </a:xfrm>
+      </p:grpSpPr>
+      <p:sp>
+        <p:nvSpPr>
+          <p:cNvPr id="4" name="Title 3">
+            <a:extLst>
+              <a:ext uri="{FF2B5EF4-FFF2-40B4-BE49-F238E27FC236}">
+                <a16:creationId xmlns:a16="http://schemas.microsoft.com/office/drawing/2014/main" id="{0D84347E-264B-FA6D-E9E5-F0BCF6D13886}"/>
+              </a:ext>
+            </a:extLst>
+          </p:cNvPr>
+          <p:cNvSpPr>
+            <a:spLocks noGrp="1"/>
+          </p:cNvSpPr>
+          <p:nvPr>
+            <p:ph type="title"/>
+          </p:nvPr>
+        </p:nvSpPr>
+        <p:spPr>
+          <a:xfrm>
+            <a:off x="364067" y="244518"/>
+            <a:ext cx="8421512" cy="830997"/>
+          </a:xfrm>
+        </p:spPr>
+        <p:txBody>
+          <a:bodyPr/>
+          <a:lstStyle/>
+          <a:p>
+            <a:r>
+              <a:rPr lang="en-US" dirty="0"/>
+              <a:t>Strong / Weak Acids &amp; Bases</a:t>
+            </a:r>
+          </a:p>
+        </p:txBody>
+      </p:sp>
+      <p:sp>
+        <p:nvSpPr>
+          <p:cNvPr id="5" name="Content Placeholder 4">
+            <a:extLst>
+              <a:ext uri="{FF2B5EF4-FFF2-40B4-BE49-F238E27FC236}">
+                <a16:creationId xmlns:a16="http://schemas.microsoft.com/office/drawing/2014/main" id="{043281E9-2318-F4B8-35EB-080B7C58A53C}"/>
+              </a:ext>
+            </a:extLst>
+          </p:cNvPr>
+          <p:cNvSpPr>
+            <a:spLocks noGrp="1"/>
+          </p:cNvSpPr>
+          <p:nvPr>
+            <p:ph idx="1"/>
+          </p:nvPr>
+        </p:nvSpPr>
+        <p:spPr>
+          <a:xfrm>
+            <a:off x="372533" y="1135626"/>
+            <a:ext cx="8387645" cy="5411929"/>
+          </a:xfrm>
+        </p:spPr>
+        <p:txBody>
+          <a:bodyPr/>
+          <a:lstStyle/>
+          <a:p>
+            <a:r>
+              <a:rPr lang="en-US" dirty="0">
+                <a:sym typeface="Wingdings" panose="05000000000000000000" pitchFamily="2" charset="2"/>
+              </a:rPr>
+              <a:t>Acids have a strength to them, with strength determined by whether they ionize in water (aqueous solution) completely (100%) or less than that</a:t>
+            </a:r>
+          </a:p>
+          <a:p>
+            <a:endParaRPr lang="en-US" dirty="0">
+              <a:sym typeface="Wingdings" panose="05000000000000000000" pitchFamily="2" charset="2"/>
+            </a:endParaRPr>
+          </a:p>
+          <a:p>
+            <a:r>
+              <a:rPr lang="en-US" b="1" dirty="0">
+                <a:solidFill>
+                  <a:srgbClr val="00FF00"/>
+                </a:solidFill>
+                <a:sym typeface="Wingdings" panose="05000000000000000000" pitchFamily="2" charset="2"/>
+              </a:rPr>
+              <a:t>Strong acids</a:t>
+            </a:r>
+            <a:r>
+              <a:rPr lang="en-US" dirty="0">
+                <a:sym typeface="Wingdings" panose="05000000000000000000" pitchFamily="2" charset="2"/>
+              </a:rPr>
+              <a:t> and </a:t>
+            </a:r>
+            <a:r>
+              <a:rPr lang="en-US" b="1" dirty="0">
+                <a:solidFill>
+                  <a:srgbClr val="00FF00"/>
+                </a:solidFill>
+                <a:sym typeface="Wingdings" panose="05000000000000000000" pitchFamily="2" charset="2"/>
+              </a:rPr>
+              <a:t>bases</a:t>
+            </a:r>
+            <a:r>
+              <a:rPr lang="en-US" dirty="0">
+                <a:sym typeface="Wingdings" panose="05000000000000000000" pitchFamily="2" charset="2"/>
+              </a:rPr>
+              <a:t> are</a:t>
+            </a:r>
+            <a:br>
+              <a:rPr lang="en-US" dirty="0">
+                <a:sym typeface="Wingdings" panose="05000000000000000000" pitchFamily="2" charset="2"/>
+              </a:rPr>
+            </a:br>
+            <a:r>
+              <a:rPr lang="en-US" dirty="0">
+                <a:sym typeface="Wingdings" panose="05000000000000000000" pitchFamily="2" charset="2"/>
+              </a:rPr>
+              <a:t>those that dissociate (ionize)</a:t>
+            </a:r>
+            <a:br>
+              <a:rPr lang="en-US" dirty="0">
+                <a:sym typeface="Wingdings" panose="05000000000000000000" pitchFamily="2" charset="2"/>
+              </a:rPr>
+            </a:br>
+            <a:r>
+              <a:rPr lang="en-US" dirty="0">
+                <a:sym typeface="Wingdings" panose="05000000000000000000" pitchFamily="2" charset="2"/>
+              </a:rPr>
+              <a:t>completely (100%) in</a:t>
+            </a:r>
+            <a:br>
+              <a:rPr lang="en-US" dirty="0">
+                <a:sym typeface="Wingdings" panose="05000000000000000000" pitchFamily="2" charset="2"/>
+              </a:rPr>
+            </a:br>
+            <a:r>
+              <a:rPr lang="en-US" dirty="0">
+                <a:sym typeface="Wingdings" panose="05000000000000000000" pitchFamily="2" charset="2"/>
+              </a:rPr>
+              <a:t>aqueous solution</a:t>
+            </a:r>
+          </a:p>
+          <a:p>
+            <a:r>
+              <a:rPr lang="en-US" b="1" dirty="0">
+                <a:solidFill>
+                  <a:srgbClr val="00FF00"/>
+                </a:solidFill>
+                <a:sym typeface="Wingdings" panose="05000000000000000000" pitchFamily="2" charset="2"/>
+              </a:rPr>
+              <a:t>Weak acids </a:t>
+            </a:r>
+            <a:r>
+              <a:rPr lang="en-US" dirty="0">
+                <a:sym typeface="Wingdings" panose="05000000000000000000" pitchFamily="2" charset="2"/>
+              </a:rPr>
+              <a:t>and </a:t>
+            </a:r>
+            <a:r>
+              <a:rPr lang="en-US" b="1" dirty="0">
+                <a:solidFill>
+                  <a:srgbClr val="00FF00"/>
+                </a:solidFill>
+                <a:sym typeface="Wingdings" panose="05000000000000000000" pitchFamily="2" charset="2"/>
+              </a:rPr>
+              <a:t>bases</a:t>
+            </a:r>
+            <a:r>
+              <a:rPr lang="en-US" dirty="0">
+                <a:sym typeface="Wingdings" panose="05000000000000000000" pitchFamily="2" charset="2"/>
+              </a:rPr>
+              <a:t> are</a:t>
+            </a:r>
+            <a:br>
+              <a:rPr lang="en-US" dirty="0">
+                <a:sym typeface="Wingdings" panose="05000000000000000000" pitchFamily="2" charset="2"/>
+              </a:rPr>
+            </a:br>
+            <a:r>
+              <a:rPr lang="en-US" dirty="0">
+                <a:sym typeface="Wingdings" panose="05000000000000000000" pitchFamily="2" charset="2"/>
+              </a:rPr>
+              <a:t>those that dissociate (ionize)</a:t>
+            </a:r>
+            <a:br>
+              <a:rPr lang="en-US" dirty="0">
+                <a:sym typeface="Wingdings" panose="05000000000000000000" pitchFamily="2" charset="2"/>
+              </a:rPr>
+            </a:br>
+            <a:r>
+              <a:rPr lang="en-US" dirty="0">
+                <a:sym typeface="Wingdings" panose="05000000000000000000" pitchFamily="2" charset="2"/>
+              </a:rPr>
+              <a:t>partially (less than 100%)</a:t>
+            </a:r>
+          </a:p>
+          <a:p>
+            <a:endParaRPr lang="en-US" dirty="0">
+              <a:sym typeface="Wingdings" panose="05000000000000000000" pitchFamily="2" charset="2"/>
+            </a:endParaRPr>
+          </a:p>
+          <a:p>
+            <a:endParaRPr lang="en-US" dirty="0">
+              <a:sym typeface="Wingdings" panose="05000000000000000000" pitchFamily="2" charset="2"/>
+            </a:endParaRPr>
+          </a:p>
+        </p:txBody>
+      </p:sp>
+      <p:sp>
+        <p:nvSpPr>
+          <p:cNvPr id="6" name="Slide Number Placeholder 5">
+            <a:extLst>
+              <a:ext uri="{FF2B5EF4-FFF2-40B4-BE49-F238E27FC236}">
+                <a16:creationId xmlns:a16="http://schemas.microsoft.com/office/drawing/2014/main" id="{88CB8BB0-1350-E35F-6C3D-6167C6E026B2}"/>
+              </a:ext>
+            </a:extLst>
+          </p:cNvPr>
+          <p:cNvSpPr>
+            <a:spLocks noGrp="1"/>
+          </p:cNvSpPr>
+          <p:nvPr>
+            <p:ph type="sldNum" sz="quarter" idx="10"/>
+          </p:nvPr>
+        </p:nvSpPr>
+        <p:spPr/>
+        <p:txBody>
+          <a:bodyPr/>
+          <a:lstStyle/>
+          <a:p>
+            <a:fld id="{803D5D98-E6AF-418F-A1B9-21EEB670A939}" type="slidenum">
+              <a:rPr lang="en-US" smtClean="0"/>
+              <a:pPr/>
+              <a:t>30</a:t>
+            </a:fld>
+            <a:endParaRPr lang="en-US" b="1" dirty="0"/>
+          </a:p>
+        </p:txBody>
+      </p:sp>
+      <p:pic>
+        <p:nvPicPr>
+          <p:cNvPr id="3" name="Picture 2">
+            <a:extLst>
+              <a:ext uri="{FF2B5EF4-FFF2-40B4-BE49-F238E27FC236}">
+                <a16:creationId xmlns:a16="http://schemas.microsoft.com/office/drawing/2014/main" id="{24403522-DFE4-B124-0A88-26D0888B3AF9}"/>
+              </a:ext>
+            </a:extLst>
+          </p:cNvPr>
+          <p:cNvPicPr>
+            <a:picLocks noChangeAspect="1"/>
+          </p:cNvPicPr>
+          <p:nvPr/>
+        </p:nvPicPr>
+        <p:blipFill>
+          <a:blip r:embed="rId2"/>
+          <a:stretch>
+            <a:fillRect/>
+          </a:stretch>
+        </p:blipFill>
+        <p:spPr>
+          <a:xfrm>
+            <a:off x="5361442" y="2778121"/>
+            <a:ext cx="3515007" cy="2944253"/>
+          </a:xfrm>
+          <a:prstGeom prst="rect">
+            <a:avLst/>
+          </a:prstGeom>
+        </p:spPr>
+      </p:pic>
+    </p:spTree>
+    <p:extLst>
+      <p:ext uri="{BB962C8B-B14F-4D97-AF65-F5344CB8AC3E}">
+        <p14:creationId xmlns:p14="http://schemas.microsoft.com/office/powerpoint/2010/main" val="4078389599"/>
+      </p:ext>
+    </p:extLst>
+  </p:cSld>
+  <p:clrMapOvr>
+    <a:masterClrMapping/>
+  </p:clrMapOvr>
+</p:sld>
+</file>
+
+<file path=ppt/slides/slide31.xml><?xml version="1.0" encoding="utf-8"?>
+<p:sld xmlns:a="http://schemas.openxmlformats.org/drawingml/2006/main" xmlns:r="http://schemas.openxmlformats.org/officeDocument/2006/relationships" xmlns:p="http://schemas.openxmlformats.org/presentationml/2006/main">
+  <p:cSld>
+    <p:spTree>
+      <p:nvGrpSpPr>
+        <p:cNvPr id="1" name="">
+          <a:extLst>
+            <a:ext uri="{FF2B5EF4-FFF2-40B4-BE49-F238E27FC236}">
               <a16:creationId xmlns:a16="http://schemas.microsoft.com/office/drawing/2014/main" id="{E6B4B76D-D59E-6B4C-BEEC-5978FB45E245}"/>
             </a:ext>
           </a:extLst>
@@ -19915,7 +20165,7 @@
                 </a:solidFill>
                 <a:sym typeface="Wingdings" panose="05000000000000000000" pitchFamily="2" charset="2"/>
               </a:rPr>
-              <a:t>strong acid</a:t>
+              <a:t>	strong acid</a:t>
             </a:r>
           </a:p>
           <a:p>
@@ -19946,7 +20196,7 @@
                 </a:solidFill>
                 <a:sym typeface="Wingdings" panose="05000000000000000000" pitchFamily="2" charset="2"/>
               </a:rPr>
-              <a:t>strong base</a:t>
+              <a:t>	strong base</a:t>
             </a:r>
           </a:p>
           <a:p>
@@ -19995,7 +20245,7 @@
                 </a:solidFill>
                 <a:sym typeface="Wingdings" panose="05000000000000000000" pitchFamily="2" charset="2"/>
               </a:rPr>
-              <a:t>weak base</a:t>
+              <a:t>	weak base</a:t>
             </a:r>
           </a:p>
           <a:p>
@@ -20023,7 +20273,7 @@
                 </a:solidFill>
                 <a:sym typeface="Wingdings" panose="05000000000000000000" pitchFamily="2" charset="2"/>
               </a:rPr>
-              <a:t>strong base</a:t>
+              <a:t>	strong base</a:t>
             </a:r>
           </a:p>
           <a:p>
@@ -20054,7 +20304,7 @@
                 </a:solidFill>
                 <a:sym typeface="Wingdings" panose="05000000000000000000" pitchFamily="2" charset="2"/>
               </a:rPr>
-              <a:t>weak acid</a:t>
+              <a:t>	weak acid</a:t>
             </a:r>
           </a:p>
           <a:p>
@@ -20091,7 +20341,7 @@
             <a:fld id="{803D5D98-E6AF-418F-A1B9-21EEB670A939}" type="slidenum">
               <a:rPr lang="en-US" smtClean="0"/>
               <a:pPr/>
-              <a:t>30</a:t>
+              <a:t>31</a:t>
             </a:fld>
             <a:endParaRPr lang="en-US" b="1" dirty="0"/>
           </a:p>
@@ -20685,7 +20935,7 @@
 </p:sld>
 </file>
 
-<file path=ppt/slides/slide31.xml><?xml version="1.0" encoding="utf-8"?>
+<file path=ppt/slides/slide32.xml><?xml version="1.0" encoding="utf-8"?>
 <p:sld xmlns:a="http://schemas.openxmlformats.org/drawingml/2006/main" xmlns:r="http://schemas.openxmlformats.org/officeDocument/2006/relationships" xmlns:p="http://schemas.openxmlformats.org/presentationml/2006/main">
   <p:cSld>
     <p:spTree>
@@ -20741,8 +20991,8 @@
           </a:p>
         </p:txBody>
       </p:sp>
-      <mc:AlternateContent xmlns:mc="http://schemas.openxmlformats.org/markup-compatibility/2006">
-        <mc:Choice xmlns:a14="http://schemas.microsoft.com/office/drawing/2010/main" Requires="a14">
+      <mc:AlternateContent xmlns:mc="http://schemas.openxmlformats.org/markup-compatibility/2006" xmlns:a14="http://schemas.microsoft.com/office/drawing/2010/main">
+        <mc:Choice Requires="a14">
           <p:sp>
             <p:nvSpPr>
               <p:cNvPr id="5" name="Content Placeholder 4">
@@ -21388,7 +21638,7 @@
             </p:txBody>
           </p:sp>
         </mc:Choice>
-        <mc:Fallback>
+        <mc:Fallback xmlns="">
           <p:sp>
             <p:nvSpPr>
               <p:cNvPr id="5" name="Content Placeholder 4">
@@ -21456,7 +21706,7 @@
             <a:fld id="{803D5D98-E6AF-418F-A1B9-21EEB670A939}" type="slidenum">
               <a:rPr lang="en-US" smtClean="0"/>
               <a:pPr/>
-              <a:t>31</a:t>
+              <a:t>32</a:t>
             </a:fld>
             <a:endParaRPr lang="en-US" b="1" dirty="0"/>
           </a:p>
@@ -21505,7 +21755,7 @@
 </p:sld>
 </file>
 
-<file path=ppt/slides/slide32.xml><?xml version="1.0" encoding="utf-8"?>
+<file path=ppt/slides/slide33.xml><?xml version="1.0" encoding="utf-8"?>
 <p:sld xmlns:a="http://schemas.openxmlformats.org/drawingml/2006/main" xmlns:r="http://schemas.openxmlformats.org/officeDocument/2006/relationships" xmlns:p="http://schemas.openxmlformats.org/presentationml/2006/main">
   <p:cSld>
     <p:spTree>
@@ -21785,60 +22035,90 @@
             </a:r>
             <a:r>
               <a:rPr lang="en-US" i="1" dirty="0">
+                <a:solidFill>
+                  <a:srgbClr val="FFC000"/>
+                </a:solidFill>
                 <a:sym typeface="Wingdings" panose="05000000000000000000" pitchFamily="2" charset="2"/>
               </a:rPr>
               <a:t>K</a:t>
             </a:r>
             <a:r>
               <a:rPr lang="en-US" baseline="-25000" dirty="0">
+                <a:solidFill>
+                  <a:srgbClr val="FFC000"/>
+                </a:solidFill>
                 <a:sym typeface="Wingdings" panose="05000000000000000000" pitchFamily="2" charset="2"/>
               </a:rPr>
               <a:t>w</a:t>
             </a:r>
             <a:r>
               <a:rPr lang="en-US" dirty="0">
+                <a:solidFill>
+                  <a:srgbClr val="FFC000"/>
+                </a:solidFill>
                 <a:sym typeface="Wingdings" panose="05000000000000000000" pitchFamily="2" charset="2"/>
               </a:rPr>
               <a:t> = [H</a:t>
             </a:r>
             <a:r>
               <a:rPr lang="en-US" baseline="-25000" dirty="0">
+                <a:solidFill>
+                  <a:srgbClr val="FFC000"/>
+                </a:solidFill>
                 <a:sym typeface="Wingdings" panose="05000000000000000000" pitchFamily="2" charset="2"/>
               </a:rPr>
               <a:t>3</a:t>
             </a:r>
             <a:r>
               <a:rPr lang="en-US" dirty="0">
+                <a:solidFill>
+                  <a:srgbClr val="FFC000"/>
+                </a:solidFill>
                 <a:sym typeface="Wingdings" panose="05000000000000000000" pitchFamily="2" charset="2"/>
               </a:rPr>
               <a:t>O</a:t>
             </a:r>
             <a:r>
               <a:rPr lang="en-US" baseline="30000" dirty="0">
+                <a:solidFill>
+                  <a:srgbClr val="FFC000"/>
+                </a:solidFill>
                 <a:sym typeface="Wingdings" panose="05000000000000000000" pitchFamily="2" charset="2"/>
               </a:rPr>
               <a:t>+</a:t>
             </a:r>
             <a:r>
               <a:rPr lang="en-US" dirty="0">
+                <a:solidFill>
+                  <a:srgbClr val="FFC000"/>
+                </a:solidFill>
                 <a:sym typeface="Wingdings" panose="05000000000000000000" pitchFamily="2" charset="2"/>
               </a:rPr>
               <a:t>][OH</a:t>
             </a:r>
             <a:r>
               <a:rPr lang="en-US" baseline="30000" dirty="0">
+                <a:solidFill>
+                  <a:srgbClr val="FFC000"/>
+                </a:solidFill>
                 <a:sym typeface="Wingdings" panose="05000000000000000000" pitchFamily="2" charset="2"/>
               </a:rPr>
               <a:t>–</a:t>
             </a:r>
             <a:r>
               <a:rPr lang="en-US" dirty="0">
-                <a:sym typeface="Wingdings" panose="05000000000000000000" pitchFamily="2" charset="2"/>
-              </a:rPr>
-              <a:t>] = 10</a:t>
+                <a:solidFill>
+                  <a:srgbClr val="FFC000"/>
+                </a:solidFill>
+                <a:sym typeface="Wingdings" panose="05000000000000000000" pitchFamily="2" charset="2"/>
+              </a:rPr>
+              <a:t>] = 1.0 × 10</a:t>
             </a:r>
             <a:r>
               <a:rPr lang="en-US" baseline="30000" dirty="0">
+                <a:solidFill>
+                  <a:srgbClr val="FFC000"/>
+                </a:solidFill>
                 <a:sym typeface="Wingdings" panose="05000000000000000000" pitchFamily="2" charset="2"/>
               </a:rPr>
               <a:t>–14 </a:t>
@@ -22038,7 +22318,7 @@
             <a:fld id="{803D5D98-E6AF-418F-A1B9-21EEB670A939}" type="slidenum">
               <a:rPr lang="en-US" smtClean="0"/>
               <a:pPr/>
-              <a:t>32</a:t>
+              <a:t>33</a:t>
             </a:fld>
             <a:endParaRPr lang="en-US" b="1" dirty="0"/>
           </a:p>
@@ -22057,7 +22337,7 @@
 </p:sld>
 </file>
 
-<file path=ppt/slides/slide33.xml><?xml version="1.0" encoding="utf-8"?>
+<file path=ppt/slides/slide34.xml><?xml version="1.0" encoding="utf-8"?>
 <p:sld xmlns:a="http://schemas.openxmlformats.org/drawingml/2006/main" xmlns:r="http://schemas.openxmlformats.org/officeDocument/2006/relationships" xmlns:p="http://schemas.openxmlformats.org/presentationml/2006/main">
   <p:cSld>
     <p:spTree>
@@ -23265,7 +23545,7 @@
             <a:fld id="{803D5D98-E6AF-418F-A1B9-21EEB670A939}" type="slidenum">
               <a:rPr lang="en-US" smtClean="0"/>
               <a:pPr/>
-              <a:t>33</a:t>
+              <a:t>34</a:t>
             </a:fld>
             <a:endParaRPr lang="en-US" b="1" dirty="0"/>
           </a:p>
@@ -23284,7 +23564,7 @@
 </p:sld>
 </file>
 
-<file path=ppt/slides/slide34.xml><?xml version="1.0" encoding="utf-8"?>
+<file path=ppt/slides/slide35.xml><?xml version="1.0" encoding="utf-8"?>
 <p:sld xmlns:a="http://schemas.openxmlformats.org/drawingml/2006/main" xmlns:r="http://schemas.openxmlformats.org/officeDocument/2006/relationships" xmlns:p="http://schemas.openxmlformats.org/presentationml/2006/main">
   <p:cSld>
     <p:spTree>
@@ -23549,14 +23829,23 @@
                   <a:rPr lang="en-US" dirty="0">
                     <a:sym typeface="Wingdings" panose="05000000000000000000" pitchFamily="2" charset="2"/>
                   </a:rPr>
-                  <a:t>] = 10</a:t>
-                </a:r>
-                <a:r>
-                  <a:rPr lang="en-US" baseline="30000" dirty="0">
+                  <a:t>] </a:t>
+                </a:r>
+                <a:r>
+                  <a:rPr lang="en-US">
+                    <a:sym typeface="Wingdings" panose="05000000000000000000" pitchFamily="2" charset="2"/>
+                  </a:rPr>
+                  <a:t>= 1.0 × 10</a:t>
+                </a:r>
+                <a:r>
+                  <a:rPr lang="en-US" baseline="30000">
                     <a:sym typeface="Wingdings" panose="05000000000000000000" pitchFamily="2" charset="2"/>
                   </a:rPr>
                   <a:t>–14 </a:t>
                 </a:r>
+                <a:endParaRPr lang="en-US" baseline="30000" dirty="0">
+                  <a:sym typeface="Wingdings" panose="05000000000000000000" pitchFamily="2" charset="2"/>
+                </a:endParaRPr>
               </a:p>
               <a:p>
                 <a:pPr marL="0" indent="0" algn="ctr">
@@ -24466,7 +24755,7 @@
             <a:fld id="{803D5D98-E6AF-418F-A1B9-21EEB670A939}" type="slidenum">
               <a:rPr lang="en-US" smtClean="0"/>
               <a:pPr/>
-              <a:t>34</a:t>
+              <a:t>35</a:t>
             </a:fld>
             <a:endParaRPr lang="en-US" b="1" dirty="0"/>
           </a:p>
@@ -24485,7 +24774,7 @@
 </p:sld>
 </file>
 
-<file path=ppt/slides/slide35.xml><?xml version="1.0" encoding="utf-8"?>
+<file path=ppt/slides/slide36.xml><?xml version="1.0" encoding="utf-8"?>
 <p:sld xmlns:a="http://schemas.openxmlformats.org/drawingml/2006/main" xmlns:r="http://schemas.openxmlformats.org/officeDocument/2006/relationships" xmlns:p="http://schemas.openxmlformats.org/presentationml/2006/main">
   <p:cSld>
     <p:spTree>
@@ -24792,7 +25081,7 @@
             <a:fld id="{803D5D98-E6AF-418F-A1B9-21EEB670A939}" type="slidenum">
               <a:rPr lang="en-US" smtClean="0"/>
               <a:pPr/>
-              <a:t>35</a:t>
+              <a:t>36</a:t>
             </a:fld>
             <a:endParaRPr lang="en-US" b="1" dirty="0"/>
           </a:p>
@@ -24811,7 +25100,7 @@
 </p:sld>
 </file>
 
-<file path=ppt/slides/slide36.xml><?xml version="1.0" encoding="utf-8"?>
+<file path=ppt/slides/slide37.xml><?xml version="1.0" encoding="utf-8"?>
 <p:sld xmlns:a="http://schemas.openxmlformats.org/drawingml/2006/main" xmlns:r="http://schemas.openxmlformats.org/officeDocument/2006/relationships" xmlns:p="http://schemas.openxmlformats.org/presentationml/2006/main">
   <p:cSld>
     <p:spTree>
@@ -25111,7 +25400,7 @@
             <a:fld id="{803D5D98-E6AF-418F-A1B9-21EEB670A939}" type="slidenum">
               <a:rPr lang="en-US" smtClean="0"/>
               <a:pPr/>
-              <a:t>36</a:t>
+              <a:t>37</a:t>
             </a:fld>
             <a:endParaRPr lang="en-US" b="1" dirty="0"/>
           </a:p>
@@ -25781,7 +26070,7 @@
 </p:sld>
 </file>
 
-<file path=ppt/slides/slide37.xml><?xml version="1.0" encoding="utf-8"?>
+<file path=ppt/slides/slide38.xml><?xml version="1.0" encoding="utf-8"?>
 <p:sld xmlns:a="http://schemas.openxmlformats.org/drawingml/2006/main" xmlns:r="http://schemas.openxmlformats.org/officeDocument/2006/relationships" xmlns:p="http://schemas.openxmlformats.org/presentationml/2006/main">
   <p:cSld>
     <p:spTree>
@@ -26511,7 +26800,7 @@
             <a:fld id="{803D5D98-E6AF-418F-A1B9-21EEB670A939}" type="slidenum">
               <a:rPr lang="en-US" smtClean="0"/>
               <a:pPr/>
-              <a:t>37</a:t>
+              <a:t>38</a:t>
             </a:fld>
             <a:endParaRPr lang="en-US" b="1" dirty="0"/>
           </a:p>
@@ -26530,7 +26819,7 @@
 </p:sld>
 </file>
 
-<file path=ppt/slides/slide38.xml><?xml version="1.0" encoding="utf-8"?>
+<file path=ppt/slides/slide39.xml><?xml version="1.0" encoding="utf-8"?>
 <p:sld xmlns:a="http://schemas.openxmlformats.org/drawingml/2006/main" xmlns:r="http://schemas.openxmlformats.org/officeDocument/2006/relationships" xmlns:p="http://schemas.openxmlformats.org/presentationml/2006/main">
   <p:cSld>
     <p:spTree>
@@ -27001,7 +27290,7 @@
             <a:fld id="{803D5D98-E6AF-418F-A1B9-21EEB670A939}" type="slidenum">
               <a:rPr lang="en-US" smtClean="0"/>
               <a:pPr/>
-              <a:t>38</a:t>
+              <a:t>39</a:t>
             </a:fld>
             <a:endParaRPr lang="en-US" b="1" dirty="0"/>
           </a:p>
@@ -27011,218 +27300,6 @@
     <p:extLst>
       <p:ext uri="{BB962C8B-B14F-4D97-AF65-F5344CB8AC3E}">
         <p14:creationId xmlns:p14="http://schemas.microsoft.com/office/powerpoint/2010/main" val="1216907321"/>
-      </p:ext>
-    </p:extLst>
-  </p:cSld>
-  <p:clrMapOvr>
-    <a:masterClrMapping/>
-  </p:clrMapOvr>
-</p:sld>
-</file>
-
-<file path=ppt/slides/slide39.xml><?xml version="1.0" encoding="utf-8"?>
-<p:sld xmlns:a="http://schemas.openxmlformats.org/drawingml/2006/main" xmlns:r="http://schemas.openxmlformats.org/officeDocument/2006/relationships" xmlns:p="http://schemas.openxmlformats.org/presentationml/2006/main">
-  <p:cSld>
-    <p:spTree>
-      <p:nvGrpSpPr>
-        <p:cNvPr id="1" name="">
-          <a:extLst>
-            <a:ext uri="{FF2B5EF4-FFF2-40B4-BE49-F238E27FC236}">
-              <a16:creationId xmlns:a16="http://schemas.microsoft.com/office/drawing/2014/main" id="{23A1EE18-28D8-4F4B-29B0-C587813593D6}"/>
-            </a:ext>
-          </a:extLst>
-        </p:cNvPr>
-        <p:cNvGrpSpPr/>
-        <p:nvPr/>
-      </p:nvGrpSpPr>
-      <p:grpSpPr>
-        <a:xfrm>
-          <a:off x="0" y="0"/>
-          <a:ext cx="0" cy="0"/>
-          <a:chOff x="0" y="0"/>
-          <a:chExt cx="0" cy="0"/>
-        </a:xfrm>
-      </p:grpSpPr>
-      <p:sp>
-        <p:nvSpPr>
-          <p:cNvPr id="4" name="Title 3">
-            <a:extLst>
-              <a:ext uri="{FF2B5EF4-FFF2-40B4-BE49-F238E27FC236}">
-                <a16:creationId xmlns:a16="http://schemas.microsoft.com/office/drawing/2014/main" id="{5E25DB42-F688-8478-D2A9-9507A6AC34DE}"/>
-              </a:ext>
-            </a:extLst>
-          </p:cNvPr>
-          <p:cNvSpPr>
-            <a:spLocks noGrp="1"/>
-          </p:cNvSpPr>
-          <p:nvPr>
-            <p:ph type="title"/>
-          </p:nvPr>
-        </p:nvSpPr>
-        <p:spPr>
-          <a:xfrm>
-            <a:off x="364067" y="244518"/>
-            <a:ext cx="8421512" cy="830997"/>
-          </a:xfrm>
-        </p:spPr>
-        <p:txBody>
-          <a:bodyPr/>
-          <a:lstStyle/>
-          <a:p>
-            <a:r>
-              <a:rPr lang="en-US" dirty="0"/>
-              <a:t>Relating pH to pOH and [ ]</a:t>
-            </a:r>
-          </a:p>
-        </p:txBody>
-      </p:sp>
-      <p:sp>
-        <p:nvSpPr>
-          <p:cNvPr id="5" name="Content Placeholder 4">
-            <a:extLst>
-              <a:ext uri="{FF2B5EF4-FFF2-40B4-BE49-F238E27FC236}">
-                <a16:creationId xmlns:a16="http://schemas.microsoft.com/office/drawing/2014/main" id="{257A8202-4D9F-D7D8-0928-BAA8CD2FF5FF}"/>
-              </a:ext>
-            </a:extLst>
-          </p:cNvPr>
-          <p:cNvSpPr>
-            <a:spLocks noGrp="1"/>
-          </p:cNvSpPr>
-          <p:nvPr>
-            <p:ph idx="1"/>
-          </p:nvPr>
-        </p:nvSpPr>
-        <p:spPr>
-          <a:xfrm>
-            <a:off x="372533" y="1135626"/>
-            <a:ext cx="4054687" cy="5411929"/>
-          </a:xfrm>
-        </p:spPr>
-        <p:txBody>
-          <a:bodyPr/>
-          <a:lstStyle/>
-          <a:p>
-            <a:r>
-              <a:rPr lang="en-US" dirty="0">
-                <a:sym typeface="Wingdings" panose="05000000000000000000" pitchFamily="2" charset="2"/>
-              </a:rPr>
-              <a:t>This shows you how to convert [H</a:t>
-            </a:r>
-            <a:r>
-              <a:rPr lang="en-US" baseline="30000" dirty="0">
-                <a:sym typeface="Wingdings" panose="05000000000000000000" pitchFamily="2" charset="2"/>
-              </a:rPr>
-              <a:t>+</a:t>
-            </a:r>
-            <a:r>
-              <a:rPr lang="en-US" dirty="0">
-                <a:sym typeface="Wingdings" panose="05000000000000000000" pitchFamily="2" charset="2"/>
-              </a:rPr>
-              <a:t>] and </a:t>
-            </a:r>
-            <a:br>
-              <a:rPr lang="en-US" dirty="0">
-                <a:sym typeface="Wingdings" panose="05000000000000000000" pitchFamily="2" charset="2"/>
-              </a:rPr>
-            </a:br>
-            <a:r>
-              <a:rPr lang="en-US" dirty="0">
-                <a:sym typeface="Wingdings" panose="05000000000000000000" pitchFamily="2" charset="2"/>
-              </a:rPr>
-              <a:t>[OH</a:t>
-            </a:r>
-            <a:r>
-              <a:rPr lang="en-US" baseline="30000" dirty="0">
-                <a:sym typeface="Wingdings" panose="05000000000000000000" pitchFamily="2" charset="2"/>
-              </a:rPr>
-              <a:t>–</a:t>
-            </a:r>
-            <a:r>
-              <a:rPr lang="en-US" dirty="0">
-                <a:sym typeface="Wingdings" panose="05000000000000000000" pitchFamily="2" charset="2"/>
-              </a:rPr>
-              <a:t>], and to pH and pOH</a:t>
-            </a:r>
-          </a:p>
-          <a:p>
-            <a:endParaRPr lang="en-US" dirty="0">
-              <a:sym typeface="Wingdings" panose="05000000000000000000" pitchFamily="2" charset="2"/>
-            </a:endParaRPr>
-          </a:p>
-          <a:p>
-            <a:r>
-              <a:rPr lang="en-US" dirty="0">
-                <a:sym typeface="Wingdings" panose="05000000000000000000" pitchFamily="2" charset="2"/>
-              </a:rPr>
-              <a:t>It’s easy after an hour of practice (or less)</a:t>
-            </a:r>
-          </a:p>
-        </p:txBody>
-      </p:sp>
-      <p:sp>
-        <p:nvSpPr>
-          <p:cNvPr id="6" name="Slide Number Placeholder 5">
-            <a:extLst>
-              <a:ext uri="{FF2B5EF4-FFF2-40B4-BE49-F238E27FC236}">
-                <a16:creationId xmlns:a16="http://schemas.microsoft.com/office/drawing/2014/main" id="{654837BE-AD85-98E5-27AD-8E43DC046992}"/>
-              </a:ext>
-            </a:extLst>
-          </p:cNvPr>
-          <p:cNvSpPr>
-            <a:spLocks noGrp="1"/>
-          </p:cNvSpPr>
-          <p:nvPr>
-            <p:ph type="sldNum" sz="quarter" idx="10"/>
-          </p:nvPr>
-        </p:nvSpPr>
-        <p:spPr/>
-        <p:txBody>
-          <a:bodyPr/>
-          <a:lstStyle/>
-          <a:p>
-            <a:fld id="{803D5D98-E6AF-418F-A1B9-21EEB670A939}" type="slidenum">
-              <a:rPr lang="en-US" smtClean="0"/>
-              <a:pPr/>
-              <a:t>39</a:t>
-            </a:fld>
-            <a:endParaRPr lang="en-US" b="1" dirty="0"/>
-          </a:p>
-        </p:txBody>
-      </p:sp>
-      <p:pic>
-        <p:nvPicPr>
-          <p:cNvPr id="7" name="Picture 6">
-            <a:extLst>
-              <a:ext uri="{FF2B5EF4-FFF2-40B4-BE49-F238E27FC236}">
-                <a16:creationId xmlns:a16="http://schemas.microsoft.com/office/drawing/2014/main" id="{4E732BF9-A2E5-120D-B944-81AC6E738A61}"/>
-              </a:ext>
-            </a:extLst>
-          </p:cNvPr>
-          <p:cNvPicPr>
-            <a:picLocks noChangeAspect="1"/>
-          </p:cNvPicPr>
-          <p:nvPr/>
-        </p:nvPicPr>
-        <p:blipFill>
-          <a:blip r:embed="rId2"/>
-          <a:stretch>
-            <a:fillRect/>
-          </a:stretch>
-        </p:blipFill>
-        <p:spPr>
-          <a:xfrm>
-            <a:off x="4326200" y="1836738"/>
-            <a:ext cx="4666521" cy="4528254"/>
-          </a:xfrm>
-          <a:prstGeom prst="rect">
-            <a:avLst/>
-          </a:prstGeom>
-        </p:spPr>
-      </p:pic>
-    </p:spTree>
-    <p:extLst>
-      <p:ext uri="{BB962C8B-B14F-4D97-AF65-F5344CB8AC3E}">
-        <p14:creationId xmlns:p14="http://schemas.microsoft.com/office/powerpoint/2010/main" val="1451104030"/>
       </p:ext>
     </p:extLst>
   </p:cSld>
@@ -27513,6 +27590,218 @@
         <p:cNvPr id="1" name="">
           <a:extLst>
             <a:ext uri="{FF2B5EF4-FFF2-40B4-BE49-F238E27FC236}">
+              <a16:creationId xmlns:a16="http://schemas.microsoft.com/office/drawing/2014/main" id="{23A1EE18-28D8-4F4B-29B0-C587813593D6}"/>
+            </a:ext>
+          </a:extLst>
+        </p:cNvPr>
+        <p:cNvGrpSpPr/>
+        <p:nvPr/>
+      </p:nvGrpSpPr>
+      <p:grpSpPr>
+        <a:xfrm>
+          <a:off x="0" y="0"/>
+          <a:ext cx="0" cy="0"/>
+          <a:chOff x="0" y="0"/>
+          <a:chExt cx="0" cy="0"/>
+        </a:xfrm>
+      </p:grpSpPr>
+      <p:sp>
+        <p:nvSpPr>
+          <p:cNvPr id="4" name="Title 3">
+            <a:extLst>
+              <a:ext uri="{FF2B5EF4-FFF2-40B4-BE49-F238E27FC236}">
+                <a16:creationId xmlns:a16="http://schemas.microsoft.com/office/drawing/2014/main" id="{5E25DB42-F688-8478-D2A9-9507A6AC34DE}"/>
+              </a:ext>
+            </a:extLst>
+          </p:cNvPr>
+          <p:cNvSpPr>
+            <a:spLocks noGrp="1"/>
+          </p:cNvSpPr>
+          <p:nvPr>
+            <p:ph type="title"/>
+          </p:nvPr>
+        </p:nvSpPr>
+        <p:spPr>
+          <a:xfrm>
+            <a:off x="364067" y="244518"/>
+            <a:ext cx="8421512" cy="830997"/>
+          </a:xfrm>
+        </p:spPr>
+        <p:txBody>
+          <a:bodyPr/>
+          <a:lstStyle/>
+          <a:p>
+            <a:r>
+              <a:rPr lang="en-US" dirty="0"/>
+              <a:t>Relating pH to pOH and [ ]</a:t>
+            </a:r>
+          </a:p>
+        </p:txBody>
+      </p:sp>
+      <p:sp>
+        <p:nvSpPr>
+          <p:cNvPr id="5" name="Content Placeholder 4">
+            <a:extLst>
+              <a:ext uri="{FF2B5EF4-FFF2-40B4-BE49-F238E27FC236}">
+                <a16:creationId xmlns:a16="http://schemas.microsoft.com/office/drawing/2014/main" id="{257A8202-4D9F-D7D8-0928-BAA8CD2FF5FF}"/>
+              </a:ext>
+            </a:extLst>
+          </p:cNvPr>
+          <p:cNvSpPr>
+            <a:spLocks noGrp="1"/>
+          </p:cNvSpPr>
+          <p:nvPr>
+            <p:ph idx="1"/>
+          </p:nvPr>
+        </p:nvSpPr>
+        <p:spPr>
+          <a:xfrm>
+            <a:off x="372533" y="1135626"/>
+            <a:ext cx="4054687" cy="5411929"/>
+          </a:xfrm>
+        </p:spPr>
+        <p:txBody>
+          <a:bodyPr/>
+          <a:lstStyle/>
+          <a:p>
+            <a:r>
+              <a:rPr lang="en-US" dirty="0">
+                <a:sym typeface="Wingdings" panose="05000000000000000000" pitchFamily="2" charset="2"/>
+              </a:rPr>
+              <a:t>This shows you how to convert [H</a:t>
+            </a:r>
+            <a:r>
+              <a:rPr lang="en-US" baseline="30000" dirty="0">
+                <a:sym typeface="Wingdings" panose="05000000000000000000" pitchFamily="2" charset="2"/>
+              </a:rPr>
+              <a:t>+</a:t>
+            </a:r>
+            <a:r>
+              <a:rPr lang="en-US" dirty="0">
+                <a:sym typeface="Wingdings" panose="05000000000000000000" pitchFamily="2" charset="2"/>
+              </a:rPr>
+              <a:t>] and </a:t>
+            </a:r>
+            <a:br>
+              <a:rPr lang="en-US" dirty="0">
+                <a:sym typeface="Wingdings" panose="05000000000000000000" pitchFamily="2" charset="2"/>
+              </a:rPr>
+            </a:br>
+            <a:r>
+              <a:rPr lang="en-US" dirty="0">
+                <a:sym typeface="Wingdings" panose="05000000000000000000" pitchFamily="2" charset="2"/>
+              </a:rPr>
+              <a:t>[OH</a:t>
+            </a:r>
+            <a:r>
+              <a:rPr lang="en-US" baseline="30000" dirty="0">
+                <a:sym typeface="Wingdings" panose="05000000000000000000" pitchFamily="2" charset="2"/>
+              </a:rPr>
+              <a:t>–</a:t>
+            </a:r>
+            <a:r>
+              <a:rPr lang="en-US" dirty="0">
+                <a:sym typeface="Wingdings" panose="05000000000000000000" pitchFamily="2" charset="2"/>
+              </a:rPr>
+              <a:t>], and to pH and pOH</a:t>
+            </a:r>
+          </a:p>
+          <a:p>
+            <a:endParaRPr lang="en-US" dirty="0">
+              <a:sym typeface="Wingdings" panose="05000000000000000000" pitchFamily="2" charset="2"/>
+            </a:endParaRPr>
+          </a:p>
+          <a:p>
+            <a:r>
+              <a:rPr lang="en-US" dirty="0">
+                <a:sym typeface="Wingdings" panose="05000000000000000000" pitchFamily="2" charset="2"/>
+              </a:rPr>
+              <a:t>It’s easy after an hour of practice (or less)</a:t>
+            </a:r>
+          </a:p>
+        </p:txBody>
+      </p:sp>
+      <p:sp>
+        <p:nvSpPr>
+          <p:cNvPr id="6" name="Slide Number Placeholder 5">
+            <a:extLst>
+              <a:ext uri="{FF2B5EF4-FFF2-40B4-BE49-F238E27FC236}">
+                <a16:creationId xmlns:a16="http://schemas.microsoft.com/office/drawing/2014/main" id="{654837BE-AD85-98E5-27AD-8E43DC046992}"/>
+              </a:ext>
+            </a:extLst>
+          </p:cNvPr>
+          <p:cNvSpPr>
+            <a:spLocks noGrp="1"/>
+          </p:cNvSpPr>
+          <p:nvPr>
+            <p:ph type="sldNum" sz="quarter" idx="10"/>
+          </p:nvPr>
+        </p:nvSpPr>
+        <p:spPr/>
+        <p:txBody>
+          <a:bodyPr/>
+          <a:lstStyle/>
+          <a:p>
+            <a:fld id="{803D5D98-E6AF-418F-A1B9-21EEB670A939}" type="slidenum">
+              <a:rPr lang="en-US" smtClean="0"/>
+              <a:pPr/>
+              <a:t>40</a:t>
+            </a:fld>
+            <a:endParaRPr lang="en-US" b="1" dirty="0"/>
+          </a:p>
+        </p:txBody>
+      </p:sp>
+      <p:pic>
+        <p:nvPicPr>
+          <p:cNvPr id="7" name="Picture 6">
+            <a:extLst>
+              <a:ext uri="{FF2B5EF4-FFF2-40B4-BE49-F238E27FC236}">
+                <a16:creationId xmlns:a16="http://schemas.microsoft.com/office/drawing/2014/main" id="{4E732BF9-A2E5-120D-B944-81AC6E738A61}"/>
+              </a:ext>
+            </a:extLst>
+          </p:cNvPr>
+          <p:cNvPicPr>
+            <a:picLocks noChangeAspect="1"/>
+          </p:cNvPicPr>
+          <p:nvPr/>
+        </p:nvPicPr>
+        <p:blipFill>
+          <a:blip r:embed="rId2"/>
+          <a:stretch>
+            <a:fillRect/>
+          </a:stretch>
+        </p:blipFill>
+        <p:spPr>
+          <a:xfrm>
+            <a:off x="4326200" y="1836738"/>
+            <a:ext cx="4666521" cy="4528254"/>
+          </a:xfrm>
+          <a:prstGeom prst="rect">
+            <a:avLst/>
+          </a:prstGeom>
+        </p:spPr>
+      </p:pic>
+    </p:spTree>
+    <p:extLst>
+      <p:ext uri="{BB962C8B-B14F-4D97-AF65-F5344CB8AC3E}">
+        <p14:creationId xmlns:p14="http://schemas.microsoft.com/office/powerpoint/2010/main" val="1451104030"/>
+      </p:ext>
+    </p:extLst>
+  </p:cSld>
+  <p:clrMapOvr>
+    <a:masterClrMapping/>
+  </p:clrMapOvr>
+</p:sld>
+</file>
+
+<file path=ppt/slides/slide41.xml><?xml version="1.0" encoding="utf-8"?>
+<p:sld xmlns:a="http://schemas.openxmlformats.org/drawingml/2006/main" xmlns:r="http://schemas.openxmlformats.org/officeDocument/2006/relationships" xmlns:p="http://schemas.openxmlformats.org/presentationml/2006/main">
+  <p:cSld>
+    <p:spTree>
+      <p:nvGrpSpPr>
+        <p:cNvPr id="1" name="">
+          <a:extLst>
+            <a:ext uri="{FF2B5EF4-FFF2-40B4-BE49-F238E27FC236}">
               <a16:creationId xmlns:a16="http://schemas.microsoft.com/office/drawing/2014/main" id="{F98B1666-69E7-E48C-DB91-B17673A82A78}"/>
             </a:ext>
           </a:extLst>
@@ -27868,7 +28157,7 @@
             <a:fld id="{803D5D98-E6AF-418F-A1B9-21EEB670A939}" type="slidenum">
               <a:rPr lang="en-US" smtClean="0"/>
               <a:pPr/>
-              <a:t>40</a:t>
+              <a:t>41</a:t>
             </a:fld>
             <a:endParaRPr lang="en-US" b="1" dirty="0"/>
           </a:p>
@@ -27947,7 +28236,7 @@
 </p:sld>
 </file>
 
-<file path=ppt/slides/slide41.xml><?xml version="1.0" encoding="utf-8"?>
+<file path=ppt/slides/slide42.xml><?xml version="1.0" encoding="utf-8"?>
 <p:sld xmlns:a="http://schemas.openxmlformats.org/drawingml/2006/main" xmlns:r="http://schemas.openxmlformats.org/officeDocument/2006/relationships" xmlns:p="http://schemas.openxmlformats.org/presentationml/2006/main">
   <p:cSld>
     <p:spTree>
@@ -28718,7 +29007,7 @@
             <a:fld id="{803D5D98-E6AF-418F-A1B9-21EEB670A939}" type="slidenum">
               <a:rPr lang="en-US" smtClean="0"/>
               <a:pPr/>
-              <a:t>41</a:t>
+              <a:t>42</a:t>
             </a:fld>
             <a:endParaRPr lang="en-US" b="1" dirty="0"/>
           </a:p>
@@ -28767,7 +29056,7 @@
 </p:sld>
 </file>
 
-<file path=ppt/slides/slide42.xml><?xml version="1.0" encoding="utf-8"?>
+<file path=ppt/slides/slide43.xml><?xml version="1.0" encoding="utf-8"?>
 <p:sld xmlns:a="http://schemas.openxmlformats.org/drawingml/2006/main" xmlns:r="http://schemas.openxmlformats.org/officeDocument/2006/relationships" xmlns:p="http://schemas.openxmlformats.org/presentationml/2006/main">
   <p:cSld>
     <p:spTree>
@@ -29122,7 +29411,7 @@
             <a:fld id="{803D5D98-E6AF-418F-A1B9-21EEB670A939}" type="slidenum">
               <a:rPr lang="en-US" smtClean="0"/>
               <a:pPr/>
-              <a:t>42</a:t>
+              <a:t>43</a:t>
             </a:fld>
             <a:endParaRPr lang="en-US" b="1" dirty="0"/>
           </a:p>
@@ -29138,10 +29427,487 @@
   <p:clrMapOvr>
     <a:masterClrMapping/>
   </p:clrMapOvr>
+  <p:timing>
+    <p:tnLst>
+      <p:par>
+        <p:cTn id="1" dur="indefinite" restart="never" nodeType="tmRoot">
+          <p:childTnLst>
+            <p:seq concurrent="1" nextAc="seek">
+              <p:cTn id="2" dur="indefinite" nodeType="mainSeq">
+                <p:childTnLst>
+                  <p:par>
+                    <p:cTn id="3" fill="hold">
+                      <p:stCondLst>
+                        <p:cond delay="indefinite"/>
+                        <p:cond evt="onBegin" delay="0">
+                          <p:tn val="2"/>
+                        </p:cond>
+                      </p:stCondLst>
+                      <p:childTnLst>
+                        <p:par>
+                          <p:cTn id="4" fill="hold">
+                            <p:stCondLst>
+                              <p:cond delay="0"/>
+                            </p:stCondLst>
+                            <p:childTnLst>
+                              <p:par>
+                                <p:cTn id="5" presetID="1" presetClass="entr" presetSubtype="0" fill="hold" grpId="0" nodeType="withEffect">
+                                  <p:stCondLst>
+                                    <p:cond delay="0"/>
+                                  </p:stCondLst>
+                                  <p:childTnLst>
+                                    <p:set>
+                                      <p:cBhvr>
+                                        <p:cTn id="6" dur="1" fill="hold">
+                                          <p:stCondLst>
+                                            <p:cond delay="0"/>
+                                          </p:stCondLst>
+                                        </p:cTn>
+                                        <p:tgtEl>
+                                          <p:spTgt spid="5">
+                                            <p:txEl>
+                                              <p:pRg st="0" end="0"/>
+                                            </p:txEl>
+                                          </p:spTgt>
+                                        </p:tgtEl>
+                                        <p:attrNameLst>
+                                          <p:attrName>style.visibility</p:attrName>
+                                        </p:attrNameLst>
+                                      </p:cBhvr>
+                                      <p:to>
+                                        <p:strVal val="visible"/>
+                                      </p:to>
+                                    </p:set>
+                                  </p:childTnLst>
+                                </p:cTn>
+                              </p:par>
+                            </p:childTnLst>
+                          </p:cTn>
+                        </p:par>
+                      </p:childTnLst>
+                    </p:cTn>
+                  </p:par>
+                  <p:par>
+                    <p:cTn id="7" fill="hold">
+                      <p:stCondLst>
+                        <p:cond delay="indefinite"/>
+                      </p:stCondLst>
+                      <p:childTnLst>
+                        <p:par>
+                          <p:cTn id="8" fill="hold">
+                            <p:stCondLst>
+                              <p:cond delay="0"/>
+                            </p:stCondLst>
+                            <p:childTnLst>
+                              <p:par>
+                                <p:cTn id="9" presetID="1" presetClass="entr" presetSubtype="0" fill="hold" grpId="0" nodeType="clickEffect">
+                                  <p:stCondLst>
+                                    <p:cond delay="0"/>
+                                  </p:stCondLst>
+                                  <p:childTnLst>
+                                    <p:set>
+                                      <p:cBhvr>
+                                        <p:cTn id="10" dur="1" fill="hold">
+                                          <p:stCondLst>
+                                            <p:cond delay="0"/>
+                                          </p:stCondLst>
+                                        </p:cTn>
+                                        <p:tgtEl>
+                                          <p:spTgt spid="5">
+                                            <p:txEl>
+                                              <p:pRg st="1" end="1"/>
+                                            </p:txEl>
+                                          </p:spTgt>
+                                        </p:tgtEl>
+                                        <p:attrNameLst>
+                                          <p:attrName>style.visibility</p:attrName>
+                                        </p:attrNameLst>
+                                      </p:cBhvr>
+                                      <p:to>
+                                        <p:strVal val="visible"/>
+                                      </p:to>
+                                    </p:set>
+                                  </p:childTnLst>
+                                </p:cTn>
+                              </p:par>
+                            </p:childTnLst>
+                          </p:cTn>
+                        </p:par>
+                      </p:childTnLst>
+                    </p:cTn>
+                  </p:par>
+                  <p:par>
+                    <p:cTn id="11" fill="hold">
+                      <p:stCondLst>
+                        <p:cond delay="indefinite"/>
+                      </p:stCondLst>
+                      <p:childTnLst>
+                        <p:par>
+                          <p:cTn id="12" fill="hold">
+                            <p:stCondLst>
+                              <p:cond delay="0"/>
+                            </p:stCondLst>
+                            <p:childTnLst>
+                              <p:par>
+                                <p:cTn id="13" presetID="1" presetClass="entr" presetSubtype="0" fill="hold" grpId="0" nodeType="clickEffect">
+                                  <p:stCondLst>
+                                    <p:cond delay="0"/>
+                                  </p:stCondLst>
+                                  <p:childTnLst>
+                                    <p:set>
+                                      <p:cBhvr>
+                                        <p:cTn id="14" dur="1" fill="hold">
+                                          <p:stCondLst>
+                                            <p:cond delay="0"/>
+                                          </p:stCondLst>
+                                        </p:cTn>
+                                        <p:tgtEl>
+                                          <p:spTgt spid="5">
+                                            <p:txEl>
+                                              <p:pRg st="2" end="2"/>
+                                            </p:txEl>
+                                          </p:spTgt>
+                                        </p:tgtEl>
+                                        <p:attrNameLst>
+                                          <p:attrName>style.visibility</p:attrName>
+                                        </p:attrNameLst>
+                                      </p:cBhvr>
+                                      <p:to>
+                                        <p:strVal val="visible"/>
+                                      </p:to>
+                                    </p:set>
+                                  </p:childTnLst>
+                                </p:cTn>
+                              </p:par>
+                            </p:childTnLst>
+                          </p:cTn>
+                        </p:par>
+                      </p:childTnLst>
+                    </p:cTn>
+                  </p:par>
+                  <p:par>
+                    <p:cTn id="15" fill="hold">
+                      <p:stCondLst>
+                        <p:cond delay="indefinite"/>
+                      </p:stCondLst>
+                      <p:childTnLst>
+                        <p:par>
+                          <p:cTn id="16" fill="hold">
+                            <p:stCondLst>
+                              <p:cond delay="0"/>
+                            </p:stCondLst>
+                            <p:childTnLst>
+                              <p:par>
+                                <p:cTn id="17" presetID="1" presetClass="entr" presetSubtype="0" fill="hold" grpId="0" nodeType="clickEffect">
+                                  <p:stCondLst>
+                                    <p:cond delay="0"/>
+                                  </p:stCondLst>
+                                  <p:childTnLst>
+                                    <p:set>
+                                      <p:cBhvr>
+                                        <p:cTn id="18" dur="1" fill="hold">
+                                          <p:stCondLst>
+                                            <p:cond delay="0"/>
+                                          </p:stCondLst>
+                                        </p:cTn>
+                                        <p:tgtEl>
+                                          <p:spTgt spid="5">
+                                            <p:txEl>
+                                              <p:pRg st="3" end="3"/>
+                                            </p:txEl>
+                                          </p:spTgt>
+                                        </p:tgtEl>
+                                        <p:attrNameLst>
+                                          <p:attrName>style.visibility</p:attrName>
+                                        </p:attrNameLst>
+                                      </p:cBhvr>
+                                      <p:to>
+                                        <p:strVal val="visible"/>
+                                      </p:to>
+                                    </p:set>
+                                  </p:childTnLst>
+                                </p:cTn>
+                              </p:par>
+                            </p:childTnLst>
+                          </p:cTn>
+                        </p:par>
+                      </p:childTnLst>
+                    </p:cTn>
+                  </p:par>
+                  <p:par>
+                    <p:cTn id="19" fill="hold">
+                      <p:stCondLst>
+                        <p:cond delay="indefinite"/>
+                      </p:stCondLst>
+                      <p:childTnLst>
+                        <p:par>
+                          <p:cTn id="20" fill="hold">
+                            <p:stCondLst>
+                              <p:cond delay="0"/>
+                            </p:stCondLst>
+                            <p:childTnLst>
+                              <p:par>
+                                <p:cTn id="21" presetID="1" presetClass="entr" presetSubtype="0" fill="hold" grpId="0" nodeType="clickEffect">
+                                  <p:stCondLst>
+                                    <p:cond delay="0"/>
+                                  </p:stCondLst>
+                                  <p:childTnLst>
+                                    <p:set>
+                                      <p:cBhvr>
+                                        <p:cTn id="22" dur="1" fill="hold">
+                                          <p:stCondLst>
+                                            <p:cond delay="0"/>
+                                          </p:stCondLst>
+                                        </p:cTn>
+                                        <p:tgtEl>
+                                          <p:spTgt spid="5">
+                                            <p:txEl>
+                                              <p:pRg st="4" end="4"/>
+                                            </p:txEl>
+                                          </p:spTgt>
+                                        </p:tgtEl>
+                                        <p:attrNameLst>
+                                          <p:attrName>style.visibility</p:attrName>
+                                        </p:attrNameLst>
+                                      </p:cBhvr>
+                                      <p:to>
+                                        <p:strVal val="visible"/>
+                                      </p:to>
+                                    </p:set>
+                                  </p:childTnLst>
+                                </p:cTn>
+                              </p:par>
+                            </p:childTnLst>
+                          </p:cTn>
+                        </p:par>
+                      </p:childTnLst>
+                    </p:cTn>
+                  </p:par>
+                  <p:par>
+                    <p:cTn id="23" fill="hold">
+                      <p:stCondLst>
+                        <p:cond delay="indefinite"/>
+                      </p:stCondLst>
+                      <p:childTnLst>
+                        <p:par>
+                          <p:cTn id="24" fill="hold">
+                            <p:stCondLst>
+                              <p:cond delay="0"/>
+                            </p:stCondLst>
+                            <p:childTnLst>
+                              <p:par>
+                                <p:cTn id="25" presetID="1" presetClass="entr" presetSubtype="0" fill="hold" grpId="0" nodeType="clickEffect">
+                                  <p:stCondLst>
+                                    <p:cond delay="0"/>
+                                  </p:stCondLst>
+                                  <p:childTnLst>
+                                    <p:set>
+                                      <p:cBhvr>
+                                        <p:cTn id="26" dur="1" fill="hold">
+                                          <p:stCondLst>
+                                            <p:cond delay="0"/>
+                                          </p:stCondLst>
+                                        </p:cTn>
+                                        <p:tgtEl>
+                                          <p:spTgt spid="5">
+                                            <p:txEl>
+                                              <p:pRg st="5" end="5"/>
+                                            </p:txEl>
+                                          </p:spTgt>
+                                        </p:tgtEl>
+                                        <p:attrNameLst>
+                                          <p:attrName>style.visibility</p:attrName>
+                                        </p:attrNameLst>
+                                      </p:cBhvr>
+                                      <p:to>
+                                        <p:strVal val="visible"/>
+                                      </p:to>
+                                    </p:set>
+                                  </p:childTnLst>
+                                </p:cTn>
+                              </p:par>
+                            </p:childTnLst>
+                          </p:cTn>
+                        </p:par>
+                      </p:childTnLst>
+                    </p:cTn>
+                  </p:par>
+                  <p:par>
+                    <p:cTn id="27" fill="hold">
+                      <p:stCondLst>
+                        <p:cond delay="indefinite"/>
+                      </p:stCondLst>
+                      <p:childTnLst>
+                        <p:par>
+                          <p:cTn id="28" fill="hold">
+                            <p:stCondLst>
+                              <p:cond delay="0"/>
+                            </p:stCondLst>
+                            <p:childTnLst>
+                              <p:par>
+                                <p:cTn id="29" presetID="1" presetClass="entr" presetSubtype="0" fill="hold" grpId="0" nodeType="clickEffect">
+                                  <p:stCondLst>
+                                    <p:cond delay="0"/>
+                                  </p:stCondLst>
+                                  <p:childTnLst>
+                                    <p:set>
+                                      <p:cBhvr>
+                                        <p:cTn id="30" dur="1" fill="hold">
+                                          <p:stCondLst>
+                                            <p:cond delay="0"/>
+                                          </p:stCondLst>
+                                        </p:cTn>
+                                        <p:tgtEl>
+                                          <p:spTgt spid="5">
+                                            <p:txEl>
+                                              <p:pRg st="6" end="6"/>
+                                            </p:txEl>
+                                          </p:spTgt>
+                                        </p:tgtEl>
+                                        <p:attrNameLst>
+                                          <p:attrName>style.visibility</p:attrName>
+                                        </p:attrNameLst>
+                                      </p:cBhvr>
+                                      <p:to>
+                                        <p:strVal val="visible"/>
+                                      </p:to>
+                                    </p:set>
+                                  </p:childTnLst>
+                                </p:cTn>
+                              </p:par>
+                            </p:childTnLst>
+                          </p:cTn>
+                        </p:par>
+                      </p:childTnLst>
+                    </p:cTn>
+                  </p:par>
+                  <p:par>
+                    <p:cTn id="31" fill="hold">
+                      <p:stCondLst>
+                        <p:cond delay="indefinite"/>
+                      </p:stCondLst>
+                      <p:childTnLst>
+                        <p:par>
+                          <p:cTn id="32" fill="hold">
+                            <p:stCondLst>
+                              <p:cond delay="0"/>
+                            </p:stCondLst>
+                            <p:childTnLst>
+                              <p:par>
+                                <p:cTn id="33" presetID="1" presetClass="entr" presetSubtype="0" fill="hold" grpId="0" nodeType="clickEffect">
+                                  <p:stCondLst>
+                                    <p:cond delay="0"/>
+                                  </p:stCondLst>
+                                  <p:childTnLst>
+                                    <p:set>
+                                      <p:cBhvr>
+                                        <p:cTn id="34" dur="1" fill="hold">
+                                          <p:stCondLst>
+                                            <p:cond delay="0"/>
+                                          </p:stCondLst>
+                                        </p:cTn>
+                                        <p:tgtEl>
+                                          <p:spTgt spid="5">
+                                            <p:txEl>
+                                              <p:pRg st="7" end="7"/>
+                                            </p:txEl>
+                                          </p:spTgt>
+                                        </p:tgtEl>
+                                        <p:attrNameLst>
+                                          <p:attrName>style.visibility</p:attrName>
+                                        </p:attrNameLst>
+                                      </p:cBhvr>
+                                      <p:to>
+                                        <p:strVal val="visible"/>
+                                      </p:to>
+                                    </p:set>
+                                  </p:childTnLst>
+                                </p:cTn>
+                              </p:par>
+                            </p:childTnLst>
+                          </p:cTn>
+                        </p:par>
+                      </p:childTnLst>
+                    </p:cTn>
+                  </p:par>
+                  <p:par>
+                    <p:cTn id="35" fill="hold">
+                      <p:stCondLst>
+                        <p:cond delay="indefinite"/>
+                      </p:stCondLst>
+                      <p:childTnLst>
+                        <p:par>
+                          <p:cTn id="36" fill="hold">
+                            <p:stCondLst>
+                              <p:cond delay="0"/>
+                            </p:stCondLst>
+                            <p:childTnLst>
+                              <p:par>
+                                <p:cTn id="37" presetID="1" presetClass="entr" presetSubtype="0" fill="hold" grpId="0" nodeType="clickEffect">
+                                  <p:stCondLst>
+                                    <p:cond delay="0"/>
+                                  </p:stCondLst>
+                                  <p:childTnLst>
+                                    <p:set>
+                                      <p:cBhvr>
+                                        <p:cTn id="38" dur="1" fill="hold">
+                                          <p:stCondLst>
+                                            <p:cond delay="0"/>
+                                          </p:stCondLst>
+                                        </p:cTn>
+                                        <p:tgtEl>
+                                          <p:spTgt spid="5">
+                                            <p:txEl>
+                                              <p:pRg st="8" end="8"/>
+                                            </p:txEl>
+                                          </p:spTgt>
+                                        </p:tgtEl>
+                                        <p:attrNameLst>
+                                          <p:attrName>style.visibility</p:attrName>
+                                        </p:attrNameLst>
+                                      </p:cBhvr>
+                                      <p:to>
+                                        <p:strVal val="visible"/>
+                                      </p:to>
+                                    </p:set>
+                                  </p:childTnLst>
+                                </p:cTn>
+                              </p:par>
+                            </p:childTnLst>
+                          </p:cTn>
+                        </p:par>
+                      </p:childTnLst>
+                    </p:cTn>
+                  </p:par>
+                </p:childTnLst>
+              </p:cTn>
+              <p:prevCondLst>
+                <p:cond evt="onPrev" delay="0">
+                  <p:tgtEl>
+                    <p:sldTgt/>
+                  </p:tgtEl>
+                </p:cond>
+              </p:prevCondLst>
+              <p:nextCondLst>
+                <p:cond evt="onNext" delay="0">
+                  <p:tgtEl>
+                    <p:sldTgt/>
+                  </p:tgtEl>
+                </p:cond>
+              </p:nextCondLst>
+            </p:seq>
+          </p:childTnLst>
+        </p:cTn>
+      </p:par>
+    </p:tnLst>
+    <p:bldLst>
+      <p:bldP spid="5" grpId="0" uiExpand="1" build="p"/>
+    </p:bldLst>
+  </p:timing>
 </p:sld>
 </file>
 
-<file path=ppt/slides/slide43.xml><?xml version="1.0" encoding="utf-8"?>
+<file path=ppt/slides/slide44.xml><?xml version="1.0" encoding="utf-8"?>
 <p:sld xmlns:a="http://schemas.openxmlformats.org/drawingml/2006/main" xmlns:r="http://schemas.openxmlformats.org/officeDocument/2006/relationships" xmlns:p="http://schemas.openxmlformats.org/presentationml/2006/main">
   <p:cSld>
     <p:spTree>
@@ -29505,7 +30271,7 @@
             <a:fld id="{803D5D98-E6AF-418F-A1B9-21EEB670A939}" type="slidenum">
               <a:rPr lang="en-US" smtClean="0"/>
               <a:pPr/>
-              <a:t>43</a:t>
+              <a:t>44</a:t>
             </a:fld>
             <a:endParaRPr lang="en-US" b="1" dirty="0"/>
           </a:p>
@@ -29521,6 +30287,480 @@
   <p:clrMapOvr>
     <a:masterClrMapping/>
   </p:clrMapOvr>
+  <p:timing>
+    <p:tnLst>
+      <p:par>
+        <p:cTn id="1" dur="indefinite" restart="never" nodeType="tmRoot">
+          <p:childTnLst>
+            <p:seq concurrent="1" nextAc="seek">
+              <p:cTn id="2" dur="indefinite" nodeType="mainSeq">
+                <p:childTnLst>
+                  <p:par>
+                    <p:cTn id="3" fill="hold">
+                      <p:stCondLst>
+                        <p:cond delay="indefinite"/>
+                        <p:cond evt="onBegin" delay="0">
+                          <p:tn val="2"/>
+                        </p:cond>
+                      </p:stCondLst>
+                      <p:childTnLst>
+                        <p:par>
+                          <p:cTn id="4" fill="hold">
+                            <p:stCondLst>
+                              <p:cond delay="0"/>
+                            </p:stCondLst>
+                            <p:childTnLst>
+                              <p:par>
+                                <p:cTn id="5" presetID="1" presetClass="entr" presetSubtype="0" fill="hold" nodeType="withEffect">
+                                  <p:stCondLst>
+                                    <p:cond delay="0"/>
+                                  </p:stCondLst>
+                                  <p:childTnLst>
+                                    <p:set>
+                                      <p:cBhvr>
+                                        <p:cTn id="6" dur="1" fill="hold">
+                                          <p:stCondLst>
+                                            <p:cond delay="0"/>
+                                          </p:stCondLst>
+                                        </p:cTn>
+                                        <p:tgtEl>
+                                          <p:spTgt spid="5">
+                                            <p:txEl>
+                                              <p:pRg st="0" end="0"/>
+                                            </p:txEl>
+                                          </p:spTgt>
+                                        </p:tgtEl>
+                                        <p:attrNameLst>
+                                          <p:attrName>style.visibility</p:attrName>
+                                        </p:attrNameLst>
+                                      </p:cBhvr>
+                                      <p:to>
+                                        <p:strVal val="visible"/>
+                                      </p:to>
+                                    </p:set>
+                                  </p:childTnLst>
+                                </p:cTn>
+                              </p:par>
+                            </p:childTnLst>
+                          </p:cTn>
+                        </p:par>
+                      </p:childTnLst>
+                    </p:cTn>
+                  </p:par>
+                  <p:par>
+                    <p:cTn id="7" fill="hold">
+                      <p:stCondLst>
+                        <p:cond delay="indefinite"/>
+                      </p:stCondLst>
+                      <p:childTnLst>
+                        <p:par>
+                          <p:cTn id="8" fill="hold">
+                            <p:stCondLst>
+                              <p:cond delay="0"/>
+                            </p:stCondLst>
+                            <p:childTnLst>
+                              <p:par>
+                                <p:cTn id="9" presetID="1" presetClass="entr" presetSubtype="0" fill="hold" nodeType="clickEffect">
+                                  <p:stCondLst>
+                                    <p:cond delay="0"/>
+                                  </p:stCondLst>
+                                  <p:childTnLst>
+                                    <p:set>
+                                      <p:cBhvr>
+                                        <p:cTn id="10" dur="1" fill="hold">
+                                          <p:stCondLst>
+                                            <p:cond delay="0"/>
+                                          </p:stCondLst>
+                                        </p:cTn>
+                                        <p:tgtEl>
+                                          <p:spTgt spid="5">
+                                            <p:txEl>
+                                              <p:pRg st="1" end="1"/>
+                                            </p:txEl>
+                                          </p:spTgt>
+                                        </p:tgtEl>
+                                        <p:attrNameLst>
+                                          <p:attrName>style.visibility</p:attrName>
+                                        </p:attrNameLst>
+                                      </p:cBhvr>
+                                      <p:to>
+                                        <p:strVal val="visible"/>
+                                      </p:to>
+                                    </p:set>
+                                  </p:childTnLst>
+                                </p:cTn>
+                              </p:par>
+                            </p:childTnLst>
+                          </p:cTn>
+                        </p:par>
+                      </p:childTnLst>
+                    </p:cTn>
+                  </p:par>
+                  <p:par>
+                    <p:cTn id="11" fill="hold">
+                      <p:stCondLst>
+                        <p:cond delay="indefinite"/>
+                      </p:stCondLst>
+                      <p:childTnLst>
+                        <p:par>
+                          <p:cTn id="12" fill="hold">
+                            <p:stCondLst>
+                              <p:cond delay="0"/>
+                            </p:stCondLst>
+                            <p:childTnLst>
+                              <p:par>
+                                <p:cTn id="13" presetID="1" presetClass="entr" presetSubtype="0" fill="hold" nodeType="clickEffect">
+                                  <p:stCondLst>
+                                    <p:cond delay="0"/>
+                                  </p:stCondLst>
+                                  <p:childTnLst>
+                                    <p:set>
+                                      <p:cBhvr>
+                                        <p:cTn id="14" dur="1" fill="hold">
+                                          <p:stCondLst>
+                                            <p:cond delay="0"/>
+                                          </p:stCondLst>
+                                        </p:cTn>
+                                        <p:tgtEl>
+                                          <p:spTgt spid="5">
+                                            <p:txEl>
+                                              <p:pRg st="2" end="2"/>
+                                            </p:txEl>
+                                          </p:spTgt>
+                                        </p:tgtEl>
+                                        <p:attrNameLst>
+                                          <p:attrName>style.visibility</p:attrName>
+                                        </p:attrNameLst>
+                                      </p:cBhvr>
+                                      <p:to>
+                                        <p:strVal val="visible"/>
+                                      </p:to>
+                                    </p:set>
+                                  </p:childTnLst>
+                                </p:cTn>
+                              </p:par>
+                            </p:childTnLst>
+                          </p:cTn>
+                        </p:par>
+                      </p:childTnLst>
+                    </p:cTn>
+                  </p:par>
+                  <p:par>
+                    <p:cTn id="15" fill="hold">
+                      <p:stCondLst>
+                        <p:cond delay="indefinite"/>
+                      </p:stCondLst>
+                      <p:childTnLst>
+                        <p:par>
+                          <p:cTn id="16" fill="hold">
+                            <p:stCondLst>
+                              <p:cond delay="0"/>
+                            </p:stCondLst>
+                            <p:childTnLst>
+                              <p:par>
+                                <p:cTn id="17" presetID="1" presetClass="entr" presetSubtype="0" fill="hold" nodeType="clickEffect">
+                                  <p:stCondLst>
+                                    <p:cond delay="0"/>
+                                  </p:stCondLst>
+                                  <p:childTnLst>
+                                    <p:set>
+                                      <p:cBhvr>
+                                        <p:cTn id="18" dur="1" fill="hold">
+                                          <p:stCondLst>
+                                            <p:cond delay="0"/>
+                                          </p:stCondLst>
+                                        </p:cTn>
+                                        <p:tgtEl>
+                                          <p:spTgt spid="5">
+                                            <p:txEl>
+                                              <p:pRg st="3" end="3"/>
+                                            </p:txEl>
+                                          </p:spTgt>
+                                        </p:tgtEl>
+                                        <p:attrNameLst>
+                                          <p:attrName>style.visibility</p:attrName>
+                                        </p:attrNameLst>
+                                      </p:cBhvr>
+                                      <p:to>
+                                        <p:strVal val="visible"/>
+                                      </p:to>
+                                    </p:set>
+                                  </p:childTnLst>
+                                </p:cTn>
+                              </p:par>
+                            </p:childTnLst>
+                          </p:cTn>
+                        </p:par>
+                      </p:childTnLst>
+                    </p:cTn>
+                  </p:par>
+                  <p:par>
+                    <p:cTn id="19" fill="hold">
+                      <p:stCondLst>
+                        <p:cond delay="indefinite"/>
+                      </p:stCondLst>
+                      <p:childTnLst>
+                        <p:par>
+                          <p:cTn id="20" fill="hold">
+                            <p:stCondLst>
+                              <p:cond delay="0"/>
+                            </p:stCondLst>
+                            <p:childTnLst>
+                              <p:par>
+                                <p:cTn id="21" presetID="1" presetClass="entr" presetSubtype="0" fill="hold" nodeType="clickEffect">
+                                  <p:stCondLst>
+                                    <p:cond delay="0"/>
+                                  </p:stCondLst>
+                                  <p:childTnLst>
+                                    <p:set>
+                                      <p:cBhvr>
+                                        <p:cTn id="22" dur="1" fill="hold">
+                                          <p:stCondLst>
+                                            <p:cond delay="0"/>
+                                          </p:stCondLst>
+                                        </p:cTn>
+                                        <p:tgtEl>
+                                          <p:spTgt spid="5">
+                                            <p:txEl>
+                                              <p:pRg st="4" end="4"/>
+                                            </p:txEl>
+                                          </p:spTgt>
+                                        </p:tgtEl>
+                                        <p:attrNameLst>
+                                          <p:attrName>style.visibility</p:attrName>
+                                        </p:attrNameLst>
+                                      </p:cBhvr>
+                                      <p:to>
+                                        <p:strVal val="visible"/>
+                                      </p:to>
+                                    </p:set>
+                                  </p:childTnLst>
+                                </p:cTn>
+                              </p:par>
+                            </p:childTnLst>
+                          </p:cTn>
+                        </p:par>
+                      </p:childTnLst>
+                    </p:cTn>
+                  </p:par>
+                  <p:par>
+                    <p:cTn id="23" fill="hold">
+                      <p:stCondLst>
+                        <p:cond delay="indefinite"/>
+                      </p:stCondLst>
+                      <p:childTnLst>
+                        <p:par>
+                          <p:cTn id="24" fill="hold">
+                            <p:stCondLst>
+                              <p:cond delay="0"/>
+                            </p:stCondLst>
+                            <p:childTnLst>
+                              <p:par>
+                                <p:cTn id="25" presetID="1" presetClass="entr" presetSubtype="0" fill="hold" nodeType="clickEffect">
+                                  <p:stCondLst>
+                                    <p:cond delay="0"/>
+                                  </p:stCondLst>
+                                  <p:childTnLst>
+                                    <p:set>
+                                      <p:cBhvr>
+                                        <p:cTn id="26" dur="1" fill="hold">
+                                          <p:stCondLst>
+                                            <p:cond delay="0"/>
+                                          </p:stCondLst>
+                                        </p:cTn>
+                                        <p:tgtEl>
+                                          <p:spTgt spid="5">
+                                            <p:txEl>
+                                              <p:pRg st="5" end="5"/>
+                                            </p:txEl>
+                                          </p:spTgt>
+                                        </p:tgtEl>
+                                        <p:attrNameLst>
+                                          <p:attrName>style.visibility</p:attrName>
+                                        </p:attrNameLst>
+                                      </p:cBhvr>
+                                      <p:to>
+                                        <p:strVal val="visible"/>
+                                      </p:to>
+                                    </p:set>
+                                  </p:childTnLst>
+                                </p:cTn>
+                              </p:par>
+                            </p:childTnLst>
+                          </p:cTn>
+                        </p:par>
+                      </p:childTnLst>
+                    </p:cTn>
+                  </p:par>
+                  <p:par>
+                    <p:cTn id="27" fill="hold">
+                      <p:stCondLst>
+                        <p:cond delay="indefinite"/>
+                      </p:stCondLst>
+                      <p:childTnLst>
+                        <p:par>
+                          <p:cTn id="28" fill="hold">
+                            <p:stCondLst>
+                              <p:cond delay="0"/>
+                            </p:stCondLst>
+                            <p:childTnLst>
+                              <p:par>
+                                <p:cTn id="29" presetID="1" presetClass="entr" presetSubtype="0" fill="hold" nodeType="clickEffect">
+                                  <p:stCondLst>
+                                    <p:cond delay="0"/>
+                                  </p:stCondLst>
+                                  <p:childTnLst>
+                                    <p:set>
+                                      <p:cBhvr>
+                                        <p:cTn id="30" dur="1" fill="hold">
+                                          <p:stCondLst>
+                                            <p:cond delay="0"/>
+                                          </p:stCondLst>
+                                        </p:cTn>
+                                        <p:tgtEl>
+                                          <p:spTgt spid="5">
+                                            <p:txEl>
+                                              <p:pRg st="6" end="6"/>
+                                            </p:txEl>
+                                          </p:spTgt>
+                                        </p:tgtEl>
+                                        <p:attrNameLst>
+                                          <p:attrName>style.visibility</p:attrName>
+                                        </p:attrNameLst>
+                                      </p:cBhvr>
+                                      <p:to>
+                                        <p:strVal val="visible"/>
+                                      </p:to>
+                                    </p:set>
+                                  </p:childTnLst>
+                                </p:cTn>
+                              </p:par>
+                            </p:childTnLst>
+                          </p:cTn>
+                        </p:par>
+                      </p:childTnLst>
+                    </p:cTn>
+                  </p:par>
+                  <p:par>
+                    <p:cTn id="31" fill="hold">
+                      <p:stCondLst>
+                        <p:cond delay="indefinite"/>
+                      </p:stCondLst>
+                      <p:childTnLst>
+                        <p:par>
+                          <p:cTn id="32" fill="hold">
+                            <p:stCondLst>
+                              <p:cond delay="0"/>
+                            </p:stCondLst>
+                            <p:childTnLst>
+                              <p:par>
+                                <p:cTn id="33" presetID="1" presetClass="entr" presetSubtype="0" fill="hold" nodeType="clickEffect">
+                                  <p:stCondLst>
+                                    <p:cond delay="0"/>
+                                  </p:stCondLst>
+                                  <p:childTnLst>
+                                    <p:set>
+                                      <p:cBhvr>
+                                        <p:cTn id="34" dur="1" fill="hold">
+                                          <p:stCondLst>
+                                            <p:cond delay="0"/>
+                                          </p:stCondLst>
+                                        </p:cTn>
+                                        <p:tgtEl>
+                                          <p:spTgt spid="5">
+                                            <p:txEl>
+                                              <p:pRg st="7" end="7"/>
+                                            </p:txEl>
+                                          </p:spTgt>
+                                        </p:tgtEl>
+                                        <p:attrNameLst>
+                                          <p:attrName>style.visibility</p:attrName>
+                                        </p:attrNameLst>
+                                      </p:cBhvr>
+                                      <p:to>
+                                        <p:strVal val="visible"/>
+                                      </p:to>
+                                    </p:set>
+                                  </p:childTnLst>
+                                </p:cTn>
+                              </p:par>
+                            </p:childTnLst>
+                          </p:cTn>
+                        </p:par>
+                      </p:childTnLst>
+                    </p:cTn>
+                  </p:par>
+                  <p:par>
+                    <p:cTn id="35" fill="hold">
+                      <p:stCondLst>
+                        <p:cond delay="indefinite"/>
+                      </p:stCondLst>
+                      <p:childTnLst>
+                        <p:par>
+                          <p:cTn id="36" fill="hold">
+                            <p:stCondLst>
+                              <p:cond delay="0"/>
+                            </p:stCondLst>
+                            <p:childTnLst>
+                              <p:par>
+                                <p:cTn id="37" presetID="1" presetClass="entr" presetSubtype="0" fill="hold" nodeType="clickEffect">
+                                  <p:stCondLst>
+                                    <p:cond delay="0"/>
+                                  </p:stCondLst>
+                                  <p:childTnLst>
+                                    <p:set>
+                                      <p:cBhvr>
+                                        <p:cTn id="38" dur="1" fill="hold">
+                                          <p:stCondLst>
+                                            <p:cond delay="0"/>
+                                          </p:stCondLst>
+                                        </p:cTn>
+                                        <p:tgtEl>
+                                          <p:spTgt spid="5">
+                                            <p:txEl>
+                                              <p:pRg st="8" end="8"/>
+                                            </p:txEl>
+                                          </p:spTgt>
+                                        </p:tgtEl>
+                                        <p:attrNameLst>
+                                          <p:attrName>style.visibility</p:attrName>
+                                        </p:attrNameLst>
+                                      </p:cBhvr>
+                                      <p:to>
+                                        <p:strVal val="visible"/>
+                                      </p:to>
+                                    </p:set>
+                                  </p:childTnLst>
+                                </p:cTn>
+                              </p:par>
+                            </p:childTnLst>
+                          </p:cTn>
+                        </p:par>
+                      </p:childTnLst>
+                    </p:cTn>
+                  </p:par>
+                </p:childTnLst>
+              </p:cTn>
+              <p:prevCondLst>
+                <p:cond evt="onPrev" delay="0">
+                  <p:tgtEl>
+                    <p:sldTgt/>
+                  </p:tgtEl>
+                </p:cond>
+              </p:prevCondLst>
+              <p:nextCondLst>
+                <p:cond evt="onNext" delay="0">
+                  <p:tgtEl>
+                    <p:sldTgt/>
+                  </p:tgtEl>
+                </p:cond>
+              </p:nextCondLst>
+            </p:seq>
+          </p:childTnLst>
+        </p:cTn>
+      </p:par>
+    </p:tnLst>
+  </p:timing>
 </p:sld>
 </file>
 
@@ -29896,36 +31136,6 @@
           <a:chExt cx="0" cy="0"/>
         </a:xfrm>
       </p:grpSpPr>
-      <p:sp>
-        <p:nvSpPr>
-          <p:cNvPr id="4" name="Title 3">
-            <a:extLst>
-              <a:ext uri="{FF2B5EF4-FFF2-40B4-BE49-F238E27FC236}">
-                <a16:creationId xmlns:a16="http://schemas.microsoft.com/office/drawing/2014/main" id="{E03EB0F3-8E7C-E32A-F0F3-D02703FB44D1}"/>
-              </a:ext>
-            </a:extLst>
-          </p:cNvPr>
-          <p:cNvSpPr>
-            <a:spLocks noGrp="1"/>
-          </p:cNvSpPr>
-          <p:nvPr>
-            <p:ph type="title"/>
-          </p:nvPr>
-        </p:nvSpPr>
-        <p:spPr>
-          <a:xfrm>
-            <a:off x="364067" y="306073"/>
-            <a:ext cx="8421512" cy="707886"/>
-          </a:xfrm>
-        </p:spPr>
-        <p:txBody>
-          <a:bodyPr/>
-          <a:lstStyle/>
-          <a:p>
-            <a:endParaRPr lang="en-US" sz="4000" dirty="0"/>
-          </a:p>
-        </p:txBody>
-      </p:sp>
       <p:pic>
         <p:nvPicPr>
           <p:cNvPr id="3" name="Content Placeholder 2">
@@ -30323,14 +31533,408 @@
             </a:r>
           </a:p>
           <a:p>
-            <a:r>
-              <a:rPr lang="en-US" dirty="0">
+            <a:pPr marL="0" indent="0" algn="ctr">
+              <a:buNone/>
+            </a:pPr>
+            <a:r>
+              <a:rPr lang="en-US" dirty="0">
+                <a:solidFill>
+                  <a:srgbClr val="FFC000"/>
+                </a:solidFill>
+              </a:rPr>
+              <a:t>H</a:t>
+            </a:r>
+            <a:r>
+              <a:rPr lang="en-US" baseline="-25000" dirty="0">
+                <a:solidFill>
+                  <a:srgbClr val="FFC000"/>
+                </a:solidFill>
+              </a:rPr>
+              <a:t>2</a:t>
+            </a:r>
+            <a:r>
+              <a:rPr lang="en-US" dirty="0">
+                <a:solidFill>
+                  <a:srgbClr val="FFC000"/>
+                </a:solidFill>
+              </a:rPr>
+              <a:t>SO</a:t>
+            </a:r>
+            <a:r>
+              <a:rPr lang="en-US" baseline="-25000" dirty="0">
+                <a:solidFill>
+                  <a:srgbClr val="FFC000"/>
+                </a:solidFill>
+              </a:rPr>
+              <a:t>4</a:t>
+            </a:r>
+            <a:r>
+              <a:rPr lang="en-US" dirty="0">
+                <a:solidFill>
+                  <a:srgbClr val="FFC000"/>
+                </a:solidFill>
+              </a:rPr>
+              <a:t> (</a:t>
+            </a:r>
+            <a:r>
+              <a:rPr lang="en-US" i="1" dirty="0" err="1">
+                <a:solidFill>
+                  <a:srgbClr val="FFC000"/>
+                </a:solidFill>
+              </a:rPr>
+              <a:t>aq</a:t>
+            </a:r>
+            <a:r>
+              <a:rPr lang="en-US" dirty="0">
+                <a:solidFill>
+                  <a:srgbClr val="FFC000"/>
+                </a:solidFill>
+              </a:rPr>
+              <a:t>) + H</a:t>
+            </a:r>
+            <a:r>
+              <a:rPr lang="en-US" baseline="-25000" dirty="0">
+                <a:solidFill>
+                  <a:srgbClr val="FFC000"/>
+                </a:solidFill>
+              </a:rPr>
+              <a:t>2</a:t>
+            </a:r>
+            <a:r>
+              <a:rPr lang="en-US" dirty="0">
+                <a:solidFill>
+                  <a:srgbClr val="FFC000"/>
+                </a:solidFill>
+              </a:rPr>
+              <a:t>O (</a:t>
+            </a:r>
+            <a:r>
+              <a:rPr lang="en-US" i="1" dirty="0">
+                <a:solidFill>
+                  <a:srgbClr val="FFC000"/>
+                </a:solidFill>
+              </a:rPr>
+              <a:t>l</a:t>
+            </a:r>
+            <a:r>
+              <a:rPr lang="en-US" dirty="0">
+                <a:solidFill>
+                  <a:srgbClr val="FFC000"/>
+                </a:solidFill>
+              </a:rPr>
+              <a:t>) </a:t>
+            </a:r>
+            <a:r>
+              <a:rPr lang="en-US" dirty="0">
+                <a:solidFill>
+                  <a:srgbClr val="FFC000"/>
+                </a:solidFill>
+                <a:sym typeface="Wingdings" panose="05000000000000000000" pitchFamily="2" charset="2"/>
+              </a:rPr>
+              <a:t> H</a:t>
+            </a:r>
+            <a:r>
+              <a:rPr lang="en-US" baseline="-25000" dirty="0">
+                <a:solidFill>
+                  <a:srgbClr val="FFC000"/>
+                </a:solidFill>
+                <a:sym typeface="Wingdings" panose="05000000000000000000" pitchFamily="2" charset="2"/>
+              </a:rPr>
+              <a:t>3</a:t>
+            </a:r>
+            <a:r>
+              <a:rPr lang="en-US" dirty="0">
+                <a:solidFill>
+                  <a:srgbClr val="FFC000"/>
+                </a:solidFill>
+                <a:sym typeface="Wingdings" panose="05000000000000000000" pitchFamily="2" charset="2"/>
+              </a:rPr>
+              <a:t>O</a:t>
+            </a:r>
+            <a:r>
+              <a:rPr lang="en-US" baseline="30000" dirty="0">
+                <a:solidFill>
+                  <a:srgbClr val="FFC000"/>
+                </a:solidFill>
+                <a:sym typeface="Wingdings" panose="05000000000000000000" pitchFamily="2" charset="2"/>
+              </a:rPr>
+              <a:t>+</a:t>
+            </a:r>
+            <a:r>
+              <a:rPr lang="en-US" dirty="0">
+                <a:solidFill>
+                  <a:srgbClr val="FFC000"/>
+                </a:solidFill>
+                <a:sym typeface="Wingdings" panose="05000000000000000000" pitchFamily="2" charset="2"/>
+              </a:rPr>
+              <a:t> (</a:t>
+            </a:r>
+            <a:r>
+              <a:rPr lang="en-US" i="1" dirty="0" err="1">
+                <a:solidFill>
+                  <a:srgbClr val="FFC000"/>
+                </a:solidFill>
+                <a:sym typeface="Wingdings" panose="05000000000000000000" pitchFamily="2" charset="2"/>
+              </a:rPr>
+              <a:t>aq</a:t>
+            </a:r>
+            <a:r>
+              <a:rPr lang="en-US" dirty="0">
+                <a:solidFill>
+                  <a:srgbClr val="FFC000"/>
+                </a:solidFill>
+                <a:sym typeface="Wingdings" panose="05000000000000000000" pitchFamily="2" charset="2"/>
+              </a:rPr>
+              <a:t>) + HSO</a:t>
+            </a:r>
+            <a:r>
+              <a:rPr lang="en-US" baseline="-25000" dirty="0">
+                <a:solidFill>
+                  <a:srgbClr val="FFC000"/>
+                </a:solidFill>
+                <a:sym typeface="Wingdings" panose="05000000000000000000" pitchFamily="2" charset="2"/>
+              </a:rPr>
+              <a:t>4</a:t>
+            </a:r>
+            <a:r>
+              <a:rPr lang="en-US" baseline="30000" dirty="0">
+                <a:solidFill>
+                  <a:srgbClr val="FFC000"/>
+                </a:solidFill>
+                <a:sym typeface="Wingdings" panose="05000000000000000000" pitchFamily="2" charset="2"/>
+              </a:rPr>
+              <a:t>–</a:t>
+            </a:r>
+            <a:r>
+              <a:rPr lang="en-US" dirty="0">
+                <a:solidFill>
+                  <a:srgbClr val="FFC000"/>
+                </a:solidFill>
+                <a:sym typeface="Wingdings" panose="05000000000000000000" pitchFamily="2" charset="2"/>
+              </a:rPr>
+              <a:t> (</a:t>
+            </a:r>
+            <a:r>
+              <a:rPr lang="en-US" i="1" dirty="0" err="1">
+                <a:solidFill>
+                  <a:srgbClr val="FFC000"/>
+                </a:solidFill>
+                <a:sym typeface="Wingdings" panose="05000000000000000000" pitchFamily="2" charset="2"/>
+              </a:rPr>
+              <a:t>aq</a:t>
+            </a:r>
+            <a:r>
+              <a:rPr lang="en-US" dirty="0">
+                <a:solidFill>
+                  <a:srgbClr val="FFC000"/>
+                </a:solidFill>
+                <a:sym typeface="Wingdings" panose="05000000000000000000" pitchFamily="2" charset="2"/>
+              </a:rPr>
+              <a:t>)</a:t>
+            </a:r>
+          </a:p>
+          <a:p>
+            <a:pPr marL="0" indent="0" algn="ctr">
+              <a:buNone/>
+            </a:pPr>
+            <a:r>
+              <a:rPr lang="en-US" dirty="0">
+                <a:solidFill>
+                  <a:srgbClr val="FFC000"/>
+                </a:solidFill>
+              </a:rPr>
+              <a:t>HSO</a:t>
+            </a:r>
+            <a:r>
+              <a:rPr lang="en-US" baseline="-25000" dirty="0">
+                <a:solidFill>
+                  <a:srgbClr val="FFC000"/>
+                </a:solidFill>
+              </a:rPr>
+              <a:t>4</a:t>
+            </a:r>
+            <a:r>
+              <a:rPr lang="en-US" baseline="30000" dirty="0">
+                <a:solidFill>
+                  <a:srgbClr val="FFC000"/>
+                </a:solidFill>
+              </a:rPr>
+              <a:t>–</a:t>
+            </a:r>
+            <a:r>
+              <a:rPr lang="en-US" dirty="0">
+                <a:solidFill>
+                  <a:srgbClr val="FFC000"/>
+                </a:solidFill>
+              </a:rPr>
+              <a:t> (</a:t>
+            </a:r>
+            <a:r>
+              <a:rPr lang="en-US" i="1" dirty="0" err="1">
+                <a:solidFill>
+                  <a:srgbClr val="FFC000"/>
+                </a:solidFill>
+              </a:rPr>
+              <a:t>aq</a:t>
+            </a:r>
+            <a:r>
+              <a:rPr lang="en-US" dirty="0">
+                <a:solidFill>
+                  <a:srgbClr val="FFC000"/>
+                </a:solidFill>
+              </a:rPr>
+              <a:t>) + H</a:t>
+            </a:r>
+            <a:r>
+              <a:rPr lang="en-US" baseline="-25000" dirty="0">
+                <a:solidFill>
+                  <a:srgbClr val="FFC000"/>
+                </a:solidFill>
+              </a:rPr>
+              <a:t>2</a:t>
+            </a:r>
+            <a:r>
+              <a:rPr lang="en-US" dirty="0">
+                <a:solidFill>
+                  <a:srgbClr val="FFC000"/>
+                </a:solidFill>
+              </a:rPr>
+              <a:t>O (</a:t>
+            </a:r>
+            <a:r>
+              <a:rPr lang="en-US" i="1" dirty="0">
+                <a:solidFill>
+                  <a:srgbClr val="FFC000"/>
+                </a:solidFill>
+              </a:rPr>
+              <a:t>l</a:t>
+            </a:r>
+            <a:r>
+              <a:rPr lang="en-US" dirty="0">
+                <a:solidFill>
+                  <a:srgbClr val="FFC000"/>
+                </a:solidFill>
+              </a:rPr>
+              <a:t>) </a:t>
+            </a:r>
+            <a:r>
+              <a:rPr lang="en-US" dirty="0">
+                <a:solidFill>
+                  <a:srgbClr val="FFC000"/>
+                </a:solidFill>
+                <a:sym typeface="Wingdings" panose="05000000000000000000" pitchFamily="2" charset="2"/>
+              </a:rPr>
+              <a:t> H</a:t>
+            </a:r>
+            <a:r>
+              <a:rPr lang="en-US" baseline="-25000" dirty="0">
+                <a:solidFill>
+                  <a:srgbClr val="FFC000"/>
+                </a:solidFill>
+                <a:sym typeface="Wingdings" panose="05000000000000000000" pitchFamily="2" charset="2"/>
+              </a:rPr>
+              <a:t>3</a:t>
+            </a:r>
+            <a:r>
+              <a:rPr lang="en-US" dirty="0">
+                <a:solidFill>
+                  <a:srgbClr val="FFC000"/>
+                </a:solidFill>
+                <a:sym typeface="Wingdings" panose="05000000000000000000" pitchFamily="2" charset="2"/>
+              </a:rPr>
+              <a:t>O</a:t>
+            </a:r>
+            <a:r>
+              <a:rPr lang="en-US" baseline="30000" dirty="0">
+                <a:solidFill>
+                  <a:srgbClr val="FFC000"/>
+                </a:solidFill>
+                <a:sym typeface="Wingdings" panose="05000000000000000000" pitchFamily="2" charset="2"/>
+              </a:rPr>
+              <a:t>+</a:t>
+            </a:r>
+            <a:r>
+              <a:rPr lang="en-US" dirty="0">
+                <a:solidFill>
+                  <a:srgbClr val="FFC000"/>
+                </a:solidFill>
+                <a:sym typeface="Wingdings" panose="05000000000000000000" pitchFamily="2" charset="2"/>
+              </a:rPr>
+              <a:t> (</a:t>
+            </a:r>
+            <a:r>
+              <a:rPr lang="en-US" i="1" dirty="0" err="1">
+                <a:solidFill>
+                  <a:srgbClr val="FFC000"/>
+                </a:solidFill>
+                <a:sym typeface="Wingdings" panose="05000000000000000000" pitchFamily="2" charset="2"/>
+              </a:rPr>
+              <a:t>aq</a:t>
+            </a:r>
+            <a:r>
+              <a:rPr lang="en-US" dirty="0">
+                <a:solidFill>
+                  <a:srgbClr val="FFC000"/>
+                </a:solidFill>
+                <a:sym typeface="Wingdings" panose="05000000000000000000" pitchFamily="2" charset="2"/>
+              </a:rPr>
+              <a:t>) + SO</a:t>
+            </a:r>
+            <a:r>
+              <a:rPr lang="en-US" baseline="-25000" dirty="0">
+                <a:solidFill>
+                  <a:srgbClr val="FFC000"/>
+                </a:solidFill>
+                <a:sym typeface="Wingdings" panose="05000000000000000000" pitchFamily="2" charset="2"/>
+              </a:rPr>
+              <a:t>4</a:t>
+            </a:r>
+            <a:r>
+              <a:rPr lang="en-US" baseline="30000" dirty="0">
+                <a:solidFill>
+                  <a:srgbClr val="FFC000"/>
+                </a:solidFill>
+                <a:sym typeface="Wingdings" panose="05000000000000000000" pitchFamily="2" charset="2"/>
+              </a:rPr>
+              <a:t>2–</a:t>
+            </a:r>
+            <a:r>
+              <a:rPr lang="en-US" dirty="0">
+                <a:solidFill>
+                  <a:srgbClr val="FFC000"/>
+                </a:solidFill>
+                <a:sym typeface="Wingdings" panose="05000000000000000000" pitchFamily="2" charset="2"/>
+              </a:rPr>
+              <a:t> (</a:t>
+            </a:r>
+            <a:r>
+              <a:rPr lang="en-US" i="1" dirty="0" err="1">
+                <a:solidFill>
+                  <a:srgbClr val="FFC000"/>
+                </a:solidFill>
+                <a:sym typeface="Wingdings" panose="05000000000000000000" pitchFamily="2" charset="2"/>
+              </a:rPr>
+              <a:t>aq</a:t>
+            </a:r>
+            <a:r>
+              <a:rPr lang="en-US" dirty="0">
+                <a:solidFill>
+                  <a:srgbClr val="FFC000"/>
+                </a:solidFill>
+                <a:sym typeface="Wingdings" panose="05000000000000000000" pitchFamily="2" charset="2"/>
+              </a:rPr>
+              <a:t>)</a:t>
+            </a:r>
+          </a:p>
+          <a:p>
+            <a:r>
+              <a:rPr lang="en-US" sz="2000" dirty="0">
                 <a:sym typeface="Wingdings" panose="05000000000000000000" pitchFamily="2" charset="2"/>
               </a:rPr>
               <a:t>another </a:t>
             </a:r>
             <a:r>
-              <a:rPr lang="en-US" dirty="0">
+              <a:rPr lang="en-US" sz="2000" dirty="0">
                 <a:solidFill>
                   <a:srgbClr val="FFFF00"/>
                 </a:solidFill>
@@ -30339,13 +31943,13 @@
               <a:t>strong</a:t>
             </a:r>
             <a:r>
-              <a:rPr lang="en-US" dirty="0">
+              <a:rPr lang="en-US" sz="2000" dirty="0">
                 <a:sym typeface="Wingdings" panose="05000000000000000000" pitchFamily="2" charset="2"/>
               </a:rPr>
               <a:t> and </a:t>
             </a:r>
             <a:r>
-              <a:rPr lang="en-US" dirty="0">
+              <a:rPr lang="en-US" sz="2000" dirty="0">
                 <a:solidFill>
                   <a:schemeClr val="accent1">
                     <a:lumMod val="60000"/>
@@ -30357,7 +31961,7 @@
               <a:t>diprotic</a:t>
             </a:r>
             <a:r>
-              <a:rPr lang="en-US" dirty="0">
+              <a:rPr lang="en-US" sz="2000" dirty="0">
                 <a:sym typeface="Wingdings" panose="05000000000000000000" pitchFamily="2" charset="2"/>
               </a:rPr>
               <a:t> acid</a:t>
@@ -30365,7 +31969,7 @@
           </a:p>
           <a:p>
             <a:r>
-              <a:rPr lang="en-US" dirty="0">
+              <a:rPr lang="en-US" sz="2000" dirty="0">
                 <a:sym typeface="Wingdings" panose="05000000000000000000" pitchFamily="2" charset="2"/>
               </a:rPr>
               <a:t>strongly dehydrating</a:t>
@@ -30373,7 +31977,7 @@
           </a:p>
           <a:p>
             <a:r>
-              <a:rPr lang="en-US" dirty="0">
+              <a:rPr lang="en-US" sz="2000" dirty="0">
                 <a:solidFill>
                   <a:schemeClr val="accent1">
                     <a:lumMod val="60000"/>
@@ -30385,7 +31989,7 @@
               <a:t>Diprotic</a:t>
             </a:r>
             <a:r>
-              <a:rPr lang="en-US" dirty="0">
+              <a:rPr lang="en-US" sz="2000" dirty="0">
                 <a:sym typeface="Wingdings" panose="05000000000000000000" pitchFamily="2" charset="2"/>
               </a:rPr>
               <a:t> – releases two H+ ions in solvent</a:t>
@@ -30393,7 +31997,7 @@
           </a:p>
           <a:p>
             <a:r>
-              <a:rPr lang="en-US" dirty="0">
+              <a:rPr lang="en-US" sz="2000" dirty="0">
                 <a:solidFill>
                   <a:schemeClr val="accent1">
                     <a:lumMod val="60000"/>
@@ -30405,10 +32009,60 @@
               <a:t>Monoprotic</a:t>
             </a:r>
             <a:r>
-              <a:rPr lang="en-US" dirty="0">
+              <a:rPr lang="en-US" sz="2000" dirty="0">
                 <a:sym typeface="Wingdings" panose="05000000000000000000" pitchFamily="2" charset="2"/>
               </a:rPr>
               <a:t> – releases one H+ ion in solvent</a:t>
+            </a:r>
+          </a:p>
+          <a:p>
+            <a:r>
+              <a:rPr lang="en-US" sz="2000" dirty="0">
+                <a:sym typeface="Wingdings" panose="05000000000000000000" pitchFamily="2" charset="2"/>
+              </a:rPr>
+              <a:t>H</a:t>
+            </a:r>
+            <a:r>
+              <a:rPr lang="en-US" sz="2000" baseline="-25000" dirty="0">
+                <a:sym typeface="Wingdings" panose="05000000000000000000" pitchFamily="2" charset="2"/>
+              </a:rPr>
+              <a:t>2</a:t>
+            </a:r>
+            <a:r>
+              <a:rPr lang="en-US" sz="2000" dirty="0">
+                <a:sym typeface="Wingdings" panose="05000000000000000000" pitchFamily="2" charset="2"/>
+              </a:rPr>
+              <a:t>SO</a:t>
+            </a:r>
+            <a:r>
+              <a:rPr lang="en-US" sz="2000" baseline="-25000" dirty="0">
+                <a:sym typeface="Wingdings" panose="05000000000000000000" pitchFamily="2" charset="2"/>
+              </a:rPr>
+              <a:t>4</a:t>
+            </a:r>
+            <a:r>
+              <a:rPr lang="en-US" sz="2000" dirty="0">
+                <a:sym typeface="Wingdings" panose="05000000000000000000" pitchFamily="2" charset="2"/>
+              </a:rPr>
+              <a:t> is the strong acid, but HSO</a:t>
+            </a:r>
+            <a:r>
+              <a:rPr lang="en-US" sz="2000" baseline="-25000" dirty="0">
+                <a:sym typeface="Wingdings" panose="05000000000000000000" pitchFamily="2" charset="2"/>
+              </a:rPr>
+              <a:t>4</a:t>
+            </a:r>
+            <a:r>
+              <a:rPr lang="en-US" sz="2000" baseline="30000" dirty="0">
+                <a:sym typeface="Wingdings" panose="05000000000000000000" pitchFamily="2" charset="2"/>
+              </a:rPr>
+              <a:t>–</a:t>
+            </a:r>
+            <a:r>
+              <a:rPr lang="en-US" sz="2000" dirty="0">
+                <a:sym typeface="Wingdings" panose="05000000000000000000" pitchFamily="2" charset="2"/>
+              </a:rPr>
+              <a:t> actually a weak acid</a:t>
             </a:r>
           </a:p>
         </p:txBody>
@@ -30530,8 +32184,8 @@
         </p:nvSpPr>
         <p:spPr>
           <a:xfrm>
-            <a:off x="372532" y="888124"/>
-            <a:ext cx="8387645" cy="5215465"/>
+            <a:off x="355598" y="888124"/>
+            <a:ext cx="8471443" cy="5215465"/>
           </a:xfrm>
         </p:spPr>
         <p:txBody>
@@ -30863,14 +32517,7 @@
             </a:r>
             <a:r>
               <a:rPr lang="en-US" dirty="0"/>
-              <a:t> acid that can</a:t>
-            </a:r>
-            <a:br>
-              <a:rPr lang="en-US" dirty="0"/>
-            </a:br>
-            <a:r>
-              <a:rPr lang="en-US" dirty="0"/>
-              <a:t>form </a:t>
+              <a:t> acid that can form </a:t>
             </a:r>
             <a:r>
               <a:rPr lang="en-US" dirty="0">
@@ -30913,14 +32560,7 @@
             </a:r>
             <a:r>
               <a:rPr lang="en-US" dirty="0"/>
-              <a:t>)</a:t>
-            </a:r>
-            <a:br>
-              <a:rPr lang="en-US" dirty="0"/>
-            </a:br>
-            <a:r>
-              <a:rPr lang="en-US" dirty="0"/>
-              <a:t>and </a:t>
+              <a:t>) and </a:t>
             </a:r>
             <a:r>
               <a:rPr lang="en-US" dirty="0">
@@ -30931,11 +32571,11 @@
                   </a:schemeClr>
                 </a:solidFill>
               </a:rPr>
-              <a:t>bicarbonates</a:t>
+              <a:t>bicarbonates </a:t>
             </a:r>
             <a:r>
               <a:rPr lang="en-US" dirty="0"/>
-              <a:t> (</a:t>
+              <a:t>(</a:t>
             </a:r>
             <a:r>
               <a:rPr lang="en-US" dirty="0">
@@ -30969,38 +32609,41 @@
           <a:p>
             <a:r>
               <a:rPr lang="en-US" dirty="0"/>
-              <a:t>Found in carbonated</a:t>
+              <a:t>It is an inorganic, not</a:t>
             </a:r>
             <a:br>
               <a:rPr lang="en-US" dirty="0"/>
             </a:br>
             <a:r>
               <a:rPr lang="en-US" dirty="0"/>
-              <a:t>beverages</a:t>
-            </a:r>
-          </a:p>
-          <a:p>
-            <a:r>
-              <a:rPr lang="en-US" dirty="0"/>
+              <a:t>organic (carboxylic) acid</a:t>
+            </a:r>
+          </a:p>
+          <a:p>
+            <a:r>
+              <a:rPr lang="en-US" sz="2000" dirty="0"/>
+              <a:t>Found in carbonated beverages</a:t>
+            </a:r>
+          </a:p>
+          <a:p>
+            <a:r>
+              <a:rPr lang="en-US" sz="2000" dirty="0"/>
               <a:t>Dissolves </a:t>
             </a:r>
             <a:r>
-              <a:rPr lang="en-US" dirty="0">
+              <a:rPr lang="en-US" sz="2000" dirty="0">
                 <a:solidFill>
                   <a:srgbClr val="FFFF00"/>
                 </a:solidFill>
               </a:rPr>
-              <a:t>limestone</a:t>
-            </a:r>
-            <a:br>
-              <a:rPr lang="en-US" dirty="0"/>
-            </a:br>
-            <a:r>
-              <a:rPr lang="en-US" dirty="0"/>
+              <a:t>limestone </a:t>
+            </a:r>
+            <a:r>
+              <a:rPr lang="en-US" sz="2000" dirty="0"/>
               <a:t>(to </a:t>
             </a:r>
             <a:r>
-              <a:rPr lang="en-US" dirty="0">
+              <a:rPr lang="en-US" sz="2000" dirty="0">
                 <a:solidFill>
                   <a:srgbClr val="FFC000"/>
                 </a:solidFill>
@@ -31008,7 +32651,7 @@
               <a:t>Ca(HCO</a:t>
             </a:r>
             <a:r>
-              <a:rPr lang="en-US" baseline="-25000" dirty="0">
+              <a:rPr lang="en-US" sz="2000" baseline="-25000" dirty="0">
                 <a:solidFill>
                   <a:srgbClr val="FFC000"/>
                 </a:solidFill>
@@ -31016,7 +32659,7 @@
               <a:t>3</a:t>
             </a:r>
             <a:r>
-              <a:rPr lang="en-US" dirty="0">
+              <a:rPr lang="en-US" sz="2000" dirty="0">
                 <a:solidFill>
                   <a:srgbClr val="FFC000"/>
                 </a:solidFill>
@@ -31024,7 +32667,7 @@
               <a:t>)</a:t>
             </a:r>
             <a:r>
-              <a:rPr lang="en-US" baseline="-25000" dirty="0">
+              <a:rPr lang="en-US" sz="2000" baseline="-25000" dirty="0">
                 <a:solidFill>
                   <a:srgbClr val="FFC000"/>
                 </a:solidFill>
@@ -31032,7 +32675,7 @@
               <a:t>2</a:t>
             </a:r>
             <a:r>
-              <a:rPr lang="en-US" dirty="0"/>
+              <a:rPr lang="en-US" sz="2000" dirty="0"/>
               <a:t>)</a:t>
             </a:r>
           </a:p>
@@ -31067,8 +32710,8 @@
         </p:blipFill>
         <p:spPr bwMode="auto">
           <a:xfrm>
-            <a:off x="4806557" y="4062588"/>
-            <a:ext cx="3953620" cy="2223911"/>
+            <a:off x="5329992" y="4397902"/>
+            <a:ext cx="3497049" cy="1967090"/>
           </a:xfrm>
           <a:prstGeom prst="rect">
             <a:avLst/>
@@ -31214,92 +32857,57 @@
                   <a:srgbClr val="00FF00"/>
                 </a:solidFill>
               </a:rPr>
-              <a:t>Formic acid (HCOOH)</a:t>
+              <a:t>Phosphoric acid (H</a:t>
+            </a:r>
+            <a:r>
+              <a:rPr lang="en-US" b="1" baseline="-25000" dirty="0">
+                <a:solidFill>
+                  <a:srgbClr val="00FF00"/>
+                </a:solidFill>
+              </a:rPr>
+              <a:t>3</a:t>
+            </a:r>
+            <a:r>
+              <a:rPr lang="en-US" b="1" dirty="0">
+                <a:solidFill>
+                  <a:srgbClr val="00FF00"/>
+                </a:solidFill>
+              </a:rPr>
+              <a:t>PO</a:t>
+            </a:r>
+            <a:r>
+              <a:rPr lang="en-US" b="1" baseline="-25000" dirty="0">
+                <a:solidFill>
+                  <a:srgbClr val="00FF00"/>
+                </a:solidFill>
+              </a:rPr>
+              <a:t>4</a:t>
+            </a:r>
+            <a:r>
+              <a:rPr lang="en-US" b="1" dirty="0">
+                <a:solidFill>
+                  <a:srgbClr val="00FF00"/>
+                </a:solidFill>
+              </a:rPr>
+              <a:t>)</a:t>
             </a:r>
           </a:p>
           <a:p>
             <a:r>
               <a:rPr lang="en-US" dirty="0"/>
-              <a:t>simplest of carboxylic acids</a:t>
+              <a:t>a weak acid</a:t>
             </a:r>
           </a:p>
           <a:p>
             <a:r>
               <a:rPr lang="en-US" dirty="0"/>
-              <a:t>an acid strongly associated with ants</a:t>
-            </a:r>
-          </a:p>
-          <a:p>
-            <a:pPr marL="0" indent="0">
-              <a:buNone/>
-            </a:pPr>
-            <a:r>
-              <a:rPr lang="en-US" b="1" dirty="0">
-                <a:solidFill>
-                  <a:srgbClr val="00FF00"/>
-                </a:solidFill>
-              </a:rPr>
-              <a:t>Citric acid (C</a:t>
-            </a:r>
-            <a:r>
-              <a:rPr lang="en-US" b="1" baseline="-25000" dirty="0">
-                <a:solidFill>
-                  <a:srgbClr val="00FF00"/>
-                </a:solidFill>
-              </a:rPr>
-              <a:t>6</a:t>
-            </a:r>
-            <a:r>
-              <a:rPr lang="en-US" b="1" dirty="0">
-                <a:solidFill>
-                  <a:srgbClr val="00FF00"/>
-                </a:solidFill>
-              </a:rPr>
-              <a:t>H</a:t>
-            </a:r>
-            <a:r>
-              <a:rPr lang="en-US" b="1" baseline="-25000" dirty="0">
-                <a:solidFill>
-                  <a:srgbClr val="00FF00"/>
-                </a:solidFill>
-              </a:rPr>
-              <a:t>8</a:t>
-            </a:r>
-            <a:r>
-              <a:rPr lang="en-US" b="1" dirty="0">
-                <a:solidFill>
-                  <a:srgbClr val="00FF00"/>
-                </a:solidFill>
-              </a:rPr>
-              <a:t>O</a:t>
-            </a:r>
-            <a:r>
-              <a:rPr lang="en-US" b="1" baseline="-25000" dirty="0">
-                <a:solidFill>
-                  <a:srgbClr val="00FF00"/>
-                </a:solidFill>
-              </a:rPr>
-              <a:t>7</a:t>
-            </a:r>
-            <a:r>
-              <a:rPr lang="en-US" b="1" dirty="0">
-                <a:solidFill>
-                  <a:srgbClr val="00FF00"/>
-                </a:solidFill>
-              </a:rPr>
-              <a:t>)</a:t>
+              <a:t>it has three acidic protons (sulfuric acid has two)</a:t>
             </a:r>
           </a:p>
           <a:p>
             <a:r>
               <a:rPr lang="en-US" dirty="0"/>
-              <a:t>weak tricarboxylic acid in citrus fruits</a:t>
-            </a:r>
-          </a:p>
-          <a:p>
-            <a:r>
-              <a:rPr lang="en-US" dirty="0"/>
-              <a:t>At the start of the </a:t>
+              <a:t>it is a </a:t>
             </a:r>
             <a:r>
               <a:rPr lang="en-US" dirty="0">
@@ -31310,61 +32918,37 @@
                   </a:schemeClr>
                 </a:solidFill>
               </a:rPr>
-              <a:t>tricarboxylic acid cycle</a:t>
+              <a:t>triprotic</a:t>
             </a:r>
             <a:r>
               <a:rPr lang="en-US" dirty="0"/>
-              <a:t> (also called </a:t>
-            </a:r>
-            <a:r>
-              <a:rPr lang="en-US" dirty="0">
-                <a:solidFill>
-                  <a:schemeClr val="accent1">
-                    <a:lumMod val="60000"/>
-                    <a:lumOff val="40000"/>
-                  </a:schemeClr>
-                </a:solidFill>
-              </a:rPr>
-              <a:t>Krebs cycle</a:t>
-            </a:r>
+              <a:t> acid</a:t>
+            </a:r>
+          </a:p>
+          <a:p>
             <a:r>
               <a:rPr lang="en-US" dirty="0"/>
-              <a:t>, and </a:t>
-            </a:r>
-            <a:r>
-              <a:rPr lang="en-US" dirty="0">
-                <a:solidFill>
-                  <a:schemeClr val="accent1">
-                    <a:lumMod val="60000"/>
-                    <a:lumOff val="40000"/>
-                  </a:schemeClr>
-                </a:solidFill>
-              </a:rPr>
-              <a:t>citric acid cycle</a:t>
-            </a:r>
+              <a:t>acids with multiple acidic hydrogen atoms (protons) can be called </a:t>
+            </a:r>
+            <a:r>
+              <a:rPr lang="en-US" b="1" dirty="0">
+                <a:solidFill>
+                  <a:srgbClr val="00FF00"/>
+                </a:solidFill>
+              </a:rPr>
+              <a:t>polyprotic</a:t>
+            </a:r>
+          </a:p>
+          <a:p>
             <a:r>
               <a:rPr lang="en-US" dirty="0"/>
-              <a:t>)</a:t>
-            </a:r>
-          </a:p>
-          <a:p>
-            <a:pPr marL="0" indent="0">
-              <a:buNone/>
-            </a:pPr>
-            <a:r>
-              <a:rPr lang="en-US" b="1" dirty="0">
-                <a:solidFill>
-                  <a:srgbClr val="00FF00"/>
-                </a:solidFill>
-              </a:rPr>
-              <a:t>Acetylsalicylic acid (aspirin)</a:t>
-            </a:r>
-          </a:p>
-          <a:p>
-            <a:r>
-              <a:rPr lang="en-US" dirty="0"/>
-              <a:t>effective anti-inflammatory agent (fever, pain)</a:t>
-            </a:r>
+              <a:t>it is a very good buffering compound: it controls changes in pH of </a:t>
+            </a:r>
+            <a:r>
+              <a:rPr lang="en-US"/>
+              <a:t>aqueous solutions</a:t>
+            </a:r>
+            <a:endParaRPr lang="en-US" dirty="0"/>
           </a:p>
         </p:txBody>
       </p:sp>
